--- a/pptx_files/EC_BA380_W6_Hass_Avocado_Dashboard_JJ.pptx
+++ b/pptx_files/EC_BA380_W6_Hass_Avocado_Dashboard_JJ.pptx
@@ -2670,7 +2670,7 @@
           <a:p>
             <a:fld id="{AF2A196B-849E-48B5-8478-7AFB6936369B}" type="datetimeFigureOut">
               <a:rPr lang="en-US" smtClean="0"/>
-              <a:t>2/13/2022</a:t>
+              <a:t>2/16/2022</a:t>
             </a:fld>
             <a:endParaRPr lang="en-US"/>
           </a:p>
@@ -5584,7 +5584,7 @@
             <a:fld id="{A5B0A250-5CC0-1746-B209-08E8B0DAE6AF}" type="datetimeFigureOut">
               <a:rPr lang="en-US" smtClean="0"/>
               <a:pPr algn="l"/>
-              <a:t>2/13/2022</a:t>
+              <a:t>2/16/2022</a:t>
             </a:fld>
             <a:endParaRPr lang="en-US" dirty="0"/>
           </a:p>
@@ -7046,7 +7046,7 @@
           <a:p>
             <a:fld id="{A5B0A250-5CC0-1746-B209-08E8B0DAE6AF}" type="datetimeFigureOut">
               <a:rPr lang="en-US" smtClean="0"/>
-              <a:t>2/13/2022</a:t>
+              <a:t>2/16/2022</a:t>
             </a:fld>
             <a:endParaRPr lang="en-US" dirty="0"/>
           </a:p>
@@ -7976,7 +7976,7 @@
           <a:p>
             <a:fld id="{A5B0A250-5CC0-1746-B209-08E8B0DAE6AF}" type="datetimeFigureOut">
               <a:rPr lang="en-US" smtClean="0"/>
-              <a:t>2/13/2022</a:t>
+              <a:t>2/16/2022</a:t>
             </a:fld>
             <a:endParaRPr lang="en-US"/>
           </a:p>
@@ -9433,7 +9433,7 @@
           <a:p>
             <a:fld id="{A5B0A250-5CC0-1746-B209-08E8B0DAE6AF}" type="datetimeFigureOut">
               <a:rPr lang="en-US" smtClean="0"/>
-              <a:t>2/13/2022</a:t>
+              <a:t>2/16/2022</a:t>
             </a:fld>
             <a:endParaRPr lang="en-US" dirty="0"/>
           </a:p>
@@ -11789,7 +11789,7 @@
           <a:p>
             <a:fld id="{A5B0A250-5CC0-1746-B209-08E8B0DAE6AF}" type="datetimeFigureOut">
               <a:rPr lang="en-US" smtClean="0"/>
-              <a:t>2/13/2022</a:t>
+              <a:t>2/16/2022</a:t>
             </a:fld>
             <a:endParaRPr lang="en-US" dirty="0"/>
           </a:p>
@@ -12830,7 +12830,7 @@
           <a:p>
             <a:fld id="{A5B0A250-5CC0-1746-B209-08E8B0DAE6AF}" type="datetimeFigureOut">
               <a:rPr lang="en-US" smtClean="0"/>
-              <a:t>2/13/2022</a:t>
+              <a:t>2/16/2022</a:t>
             </a:fld>
             <a:endParaRPr lang="en-US" dirty="0"/>
           </a:p>
@@ -14043,7 +14043,7 @@
           <a:p>
             <a:fld id="{A5B0A250-5CC0-1746-B209-08E8B0DAE6AF}" type="datetimeFigureOut">
               <a:rPr lang="en-US" smtClean="0"/>
-              <a:t>2/13/2022</a:t>
+              <a:t>2/16/2022</a:t>
             </a:fld>
             <a:endParaRPr lang="en-US" dirty="0"/>
           </a:p>
@@ -14952,7 +14952,7 @@
           <a:p>
             <a:fld id="{A5B0A250-5CC0-1746-B209-08E8B0DAE6AF}" type="datetimeFigureOut">
               <a:rPr lang="en-US" smtClean="0"/>
-              <a:t>2/13/2022</a:t>
+              <a:t>2/16/2022</a:t>
             </a:fld>
             <a:endParaRPr lang="en-US" dirty="0"/>
           </a:p>
@@ -15111,7 +15111,7 @@
             <a:fld id="{A5B0A250-5CC0-1746-B209-08E8B0DAE6AF}" type="datetimeFigureOut">
               <a:rPr lang="en-US" smtClean="0"/>
               <a:pPr/>
-              <a:t>2/13/2022</a:t>
+              <a:t>2/16/2022</a:t>
             </a:fld>
             <a:endParaRPr lang="en-US" dirty="0"/>
           </a:p>
@@ -16094,7 +16094,7 @@
           <a:p>
             <a:fld id="{A5B0A250-5CC0-1746-B209-08E8B0DAE6AF}" type="datetimeFigureOut">
               <a:rPr lang="en-US" smtClean="0"/>
-              <a:t>2/13/2022</a:t>
+              <a:t>2/16/2022</a:t>
             </a:fld>
             <a:endParaRPr lang="en-US" dirty="0"/>
           </a:p>
@@ -17156,7 +17156,7 @@
           <a:p>
             <a:fld id="{A5B0A250-5CC0-1746-B209-08E8B0DAE6AF}" type="datetimeFigureOut">
               <a:rPr lang="en-US" smtClean="0"/>
-              <a:t>2/13/2022</a:t>
+              <a:t>2/16/2022</a:t>
             </a:fld>
             <a:endParaRPr lang="en-US" dirty="0"/>
           </a:p>
@@ -17444,7 +17444,7 @@
             <a:fld id="{A5B0A250-5CC0-1746-B209-08E8B0DAE6AF}" type="datetimeFigureOut">
               <a:rPr lang="en-US" smtClean="0"/>
               <a:pPr/>
-              <a:t>2/13/2022</a:t>
+              <a:t>2/16/2022</a:t>
             </a:fld>
             <a:endParaRPr lang="en-US" dirty="0"/>
           </a:p>
@@ -17853,7 +17853,7 @@
     <p:bg>
       <p:bgPr>
         <a:solidFill>
-          <a:schemeClr val="bg1"/>
+          <a:schemeClr val="bg2"/>
         </a:solidFill>
         <a:effectLst/>
       </p:bgPr>
@@ -17874,7 +17874,7 @@
       </p:grpSpPr>
       <p:sp useBgFill="1">
         <p:nvSpPr>
-          <p:cNvPr id="9" name="Rectangle 8">
+          <p:cNvPr id="71" name="Rectangle 70">
             <a:extLst>
               <a:ext uri="{FF2B5EF4-FFF2-40B4-BE49-F238E27FC236}">
                 <a16:creationId xmlns:a16="http://schemas.microsoft.com/office/drawing/2014/main" id="{4EFE82FE-7465-AE46-88DF-34D347E83B84}"/>
@@ -17932,21 +17932,120 @@
           </a:p>
         </p:txBody>
       </p:sp>
-      <p:grpSp>
-        <p:nvGrpSpPr>
-          <p:cNvPr id="11" name="Group 10">
+      <p:pic>
+        <p:nvPicPr>
+          <p:cNvPr id="1026" name="Picture 2" descr="It&amp;#39;s an avocado thanks&amp;quot; Sticker by nambro | Redbubble">
             <a:extLst>
               <a:ext uri="{FF2B5EF4-FFF2-40B4-BE49-F238E27FC236}">
-                <a16:creationId xmlns:a16="http://schemas.microsoft.com/office/drawing/2014/main" id="{66F2B51C-9578-EB41-A17E-FFF9D491ADA0}"/>
+                <a16:creationId xmlns:a16="http://schemas.microsoft.com/office/drawing/2014/main" id="{F20D3807-BF47-4ED3-97F5-2BBA9FF491BA}"/>
+              </a:ext>
+            </a:extLst>
+          </p:cNvPr>
+          <p:cNvPicPr>
+            <a:picLocks noChangeAspect="1" noChangeArrowheads="1"/>
+          </p:cNvPicPr>
+          <p:nvPr/>
+        </p:nvPicPr>
+        <p:blipFill rotWithShape="1">
+          <a:blip r:embed="rId2">
+            <a:extLst>
+              <a:ext uri="{BEBA8EAE-BF5A-486C-A8C5-ECC9F3942E4B}">
+                <a14:imgProps xmlns:a14="http://schemas.microsoft.com/office/drawing/2010/main">
+                  <a14:imgLayer r:embed="rId3">
+                    <a14:imgEffect>
+                      <a14:backgroundRemoval t="12000" b="78667" l="10000" r="90000">
+                        <a14:foregroundMark x1="35996" y1="40593" x2="35337" y2="41290"/>
+                        <a14:foregroundMark x1="36762" y1="39783" x2="36400" y2="40166"/>
+                        <a14:foregroundMark x1="62804" y1="18678" x2="67046" y2="20122"/>
+                        <a14:foregroundMark x1="73081" y1="31432" x2="74175" y2="36949"/>
+                        <a14:foregroundMark x1="38620" y1="75358" x2="43833" y2="78833"/>
+                        <a14:foregroundMark x1="55171" y1="11557" x2="54946" y2="11592"/>
+                        <a14:backgroundMark x1="75833" y1="46667" x2="77167" y2="36167"/>
+                        <a14:backgroundMark x1="75667" y1="37000" x2="75500" y2="41833"/>
+                        <a14:backgroundMark x1="75500" y1="41833" x2="77833" y2="48833"/>
+                        <a14:backgroundMark x1="77833" y1="48833" x2="77833" y2="49000"/>
+                        <a14:backgroundMark x1="34833" y1="75833" x2="25833" y2="55000"/>
+                        <a14:backgroundMark x1="25833" y1="55000" x2="25667" y2="52333"/>
+                        <a14:backgroundMark x1="27333" y1="50167" x2="27500" y2="64833"/>
+                        <a14:backgroundMark x1="27500" y1="64833" x2="33833" y2="72833"/>
+                        <a14:backgroundMark x1="33167" y1="73000" x2="37000" y2="76667"/>
+                        <a14:backgroundMark x1="24333" y1="52333" x2="27333" y2="44667"/>
+                        <a14:backgroundMark x1="27333" y1="44667" x2="36833" y2="32333"/>
+                        <a14:backgroundMark x1="36833" y1="32333" x2="53500" y2="21000"/>
+                        <a14:backgroundMark x1="59500" y1="14333" x2="27833" y2="43167"/>
+                        <a14:backgroundMark x1="20500" y1="46333" x2="26667" y2="38833"/>
+                        <a14:backgroundMark x1="26667" y1="38833" x2="46667" y2="22833"/>
+                        <a14:backgroundMark x1="49167" y1="19333" x2="19333" y2="47500"/>
+                        <a14:backgroundMark x1="14333" y1="47000" x2="22667" y2="47167"/>
+                        <a14:backgroundMark x1="18667" y1="42333" x2="25667" y2="48167"/>
+                        <a14:backgroundMark x1="17000" y1="43167" x2="26167" y2="35667"/>
+                        <a14:backgroundMark x1="22500" y1="37000" x2="19167" y2="49167"/>
+                        <a14:backgroundMark x1="17167" y1="40833" x2="17167" y2="47167"/>
+                        <a14:backgroundMark x1="16833" y1="45500" x2="20333" y2="48667"/>
+                        <a14:backgroundMark x1="20333" y1="48667" x2="26333" y2="50000"/>
+                        <a14:backgroundMark x1="26333" y1="50000" x2="26833" y2="49833"/>
+                        <a14:backgroundMark x1="25500" y1="48000" x2="32000" y2="43667"/>
+                        <a14:backgroundMark x1="32000" y1="43667" x2="33500" y2="42000"/>
+                        <a14:backgroundMark x1="34333" y1="40667" x2="26333" y2="51833"/>
+                        <a14:backgroundMark x1="36167" y1="40167" x2="36667" y2="39500"/>
+                        <a14:backgroundMark x1="48500" y1="18167" x2="54333" y2="13000"/>
+                        <a14:backgroundMark x1="54333" y1="13000" x2="58667" y2="12333"/>
+                        <a14:backgroundMark x1="55500" y1="12500" x2="60000" y2="20167"/>
+                        <a14:backgroundMark x1="67833" y1="19667" x2="72833" y2="27333"/>
+                        <a14:backgroundMark x1="72000" y1="26333" x2="74333" y2="30833"/>
+                        <a14:backgroundMark x1="56000" y1="13000" x2="50500" y2="14167"/>
+                        <a14:backgroundMark x1="50500" y1="14167" x2="50167" y2="14500"/>
+                        <a14:backgroundMark x1="51000" y1="14500" x2="43833" y2="20333"/>
+                        <a14:backgroundMark x1="42667" y1="21000" x2="37000" y2="25500"/>
+                        <a14:backgroundMark x1="37000" y1="25500" x2="37000" y2="25667"/>
+                      </a14:backgroundRemoval>
+                    </a14:imgEffect>
+                  </a14:imgLayer>
+                </a14:imgProps>
+              </a:ext>
+              <a:ext uri="{28A0092B-C50C-407E-A947-70E740481C1C}">
+                <a14:useLocalDpi xmlns:a14="http://schemas.microsoft.com/office/drawing/2010/main" val="0"/>
+              </a:ext>
+            </a:extLst>
+          </a:blip>
+          <a:srcRect t="8634" b="19803"/>
+          <a:stretch/>
+        </p:blipFill>
+        <p:spPr bwMode="auto">
+          <a:xfrm rot="2602452">
+            <a:off x="641105" y="-1612031"/>
+            <a:ext cx="12191980" cy="8724983"/>
+          </a:xfrm>
+          <a:prstGeom prst="rect">
+            <a:avLst/>
+          </a:prstGeom>
+          <a:noFill/>
+          <a:extLst>
+            <a:ext uri="{909E8E84-426E-40DD-AFC4-6F175D3DCCD1}">
+              <a14:hiddenFill xmlns:a14="http://schemas.microsoft.com/office/drawing/2010/main">
+                <a:solidFill>
+                  <a:srgbClr val="FFFFFF"/>
+                </a:solidFill>
+              </a14:hiddenFill>
+            </a:ext>
+          </a:extLst>
+        </p:spPr>
+      </p:pic>
+      <p:sp>
+        <p:nvSpPr>
+          <p:cNvPr id="73" name="Rectangle">
+            <a:extLst>
+              <a:ext uri="{FF2B5EF4-FFF2-40B4-BE49-F238E27FC236}">
+                <a16:creationId xmlns:a16="http://schemas.microsoft.com/office/drawing/2014/main" id="{8B80D579-AC08-8D49-BB6A-21123F80B589}"/>
               </a:ext>
               <a:ext uri="{C183D7F6-B498-43B3-948B-1728B52AA6E4}">
                 <adec:decorative xmlns:adec="http://schemas.microsoft.com/office/drawing/2017/decorative" val="1"/>
               </a:ext>
             </a:extLst>
           </p:cNvPr>
-          <p:cNvGrpSpPr>
-            <a:grpSpLocks noGrp="1" noUngrp="1" noRot="1" noChangeAspect="1" noMove="1" noResize="1"/>
-          </p:cNvGrpSpPr>
+          <p:cNvSpPr>
+            <a:spLocks noGrp="1" noRot="1" noChangeAspect="1" noMove="1" noResize="1" noEditPoints="1" noAdjustHandles="1" noChangeArrowheads="1" noChangeShapeType="1" noTextEdit="1"/>
+          </p:cNvSpPr>
           <p:nvPr>
             <p:extLst>
               <p:ext uri="{386F3935-93C4-4BCD-93E2-E3B085C9AB24}">
@@ -17954,781 +18053,54 @@
               </p:ext>
             </p:extLst>
           </p:nvPr>
-        </p:nvGrpSpPr>
-        <p:grpSpPr>
+        </p:nvSpPr>
+        <p:spPr>
           <a:xfrm>
-            <a:off x="10290315" y="0"/>
-            <a:ext cx="1901686" cy="6858000"/>
-            <a:chOff x="10290315" y="0"/>
-            <a:chExt cx="1901686" cy="6858000"/>
+            <a:off x="-1" y="-1"/>
+            <a:ext cx="8469492" cy="6858000"/>
           </a:xfrm>
-        </p:grpSpPr>
-        <p:sp>
-          <p:nvSpPr>
-            <p:cNvPr id="12" name="Oval 11">
-              <a:extLst>
-                <a:ext uri="{FF2B5EF4-FFF2-40B4-BE49-F238E27FC236}">
-                  <a16:creationId xmlns:a16="http://schemas.microsoft.com/office/drawing/2014/main" id="{14E9CAEA-4CF4-D249-8127-CD2FA20187E6}"/>
-                </a:ext>
-                <a:ext uri="{C183D7F6-B498-43B3-948B-1728B52AA6E4}">
-                  <adec:decorative xmlns:adec="http://schemas.microsoft.com/office/drawing/2017/decorative" val="1"/>
-                </a:ext>
-              </a:extLst>
-            </p:cNvPr>
-            <p:cNvSpPr/>
-            <p:nvPr>
-              <p:extLst>
-                <p:ext uri="{386F3935-93C4-4BCD-93E2-E3B085C9AB24}">
-                  <p16:designElem xmlns:p16="http://schemas.microsoft.com/office/powerpoint/2015/main" val="1"/>
-                </p:ext>
-              </p:extLst>
-            </p:nvPr>
-          </p:nvSpPr>
-          <p:spPr>
-            <a:xfrm>
-              <a:off x="10290315" y="3549390"/>
-              <a:ext cx="1130724" cy="1130723"/>
-            </a:xfrm>
-            <a:prstGeom prst="ellipse">
-              <a:avLst/>
-            </a:prstGeom>
-            <a:solidFill>
-              <a:schemeClr val="bg2"/>
-            </a:solidFill>
-            <a:ln>
-              <a:noFill/>
-            </a:ln>
-          </p:spPr>
-          <p:style>
-            <a:lnRef idx="2">
-              <a:schemeClr val="accent1">
-                <a:shade val="50000"/>
-              </a:schemeClr>
-            </a:lnRef>
-            <a:fillRef idx="1">
-              <a:schemeClr val="accent1"/>
-            </a:fillRef>
-            <a:effectRef idx="0">
-              <a:schemeClr val="accent1"/>
-            </a:effectRef>
-            <a:fontRef idx="minor">
-              <a:schemeClr val="lt1"/>
-            </a:fontRef>
-          </p:style>
-          <p:txBody>
-            <a:bodyPr rtlCol="0" anchor="ctr"/>
-            <a:lstStyle/>
-            <a:p>
-              <a:pPr algn="ctr"/>
-              <a:endParaRPr lang="en-US"/>
-            </a:p>
-          </p:txBody>
-        </p:sp>
-        <p:sp>
-          <p:nvSpPr>
-            <p:cNvPr id="13" name="Freeform 85">
-              <a:extLst>
-                <a:ext uri="{FF2B5EF4-FFF2-40B4-BE49-F238E27FC236}">
-                  <a16:creationId xmlns:a16="http://schemas.microsoft.com/office/drawing/2014/main" id="{E51EDD93-C3A3-DF47-BCFC-43B049E34EC6}"/>
-                </a:ext>
-                <a:ext uri="{C183D7F6-B498-43B3-948B-1728B52AA6E4}">
-                  <adec:decorative xmlns:adec="http://schemas.microsoft.com/office/drawing/2017/decorative" val="1"/>
-                </a:ext>
-              </a:extLst>
-            </p:cNvPr>
-            <p:cNvSpPr/>
-            <p:nvPr>
-              <p:extLst>
-                <p:ext uri="{386F3935-93C4-4BCD-93E2-E3B085C9AB24}">
-                  <p16:designElem xmlns:p16="http://schemas.microsoft.com/office/powerpoint/2015/main" val="1"/>
-                </p:ext>
-              </p:extLst>
-            </p:nvPr>
-          </p:nvSpPr>
-          <p:spPr>
-            <a:xfrm>
-              <a:off x="10290315" y="0"/>
-              <a:ext cx="1130724" cy="565573"/>
-            </a:xfrm>
-            <a:custGeom>
-              <a:avLst/>
-              <a:gdLst>
-                <a:gd name="connsiteX0" fmla="*/ 21 w 1130724"/>
-                <a:gd name="connsiteY0" fmla="*/ 0 h 565573"/>
-                <a:gd name="connsiteX1" fmla="*/ 1130703 w 1130724"/>
-                <a:gd name="connsiteY1" fmla="*/ 0 h 565573"/>
-                <a:gd name="connsiteX2" fmla="*/ 1130724 w 1130724"/>
-                <a:gd name="connsiteY2" fmla="*/ 211 h 565573"/>
-                <a:gd name="connsiteX3" fmla="*/ 565362 w 1130724"/>
-                <a:gd name="connsiteY3" fmla="*/ 565573 h 565573"/>
-                <a:gd name="connsiteX4" fmla="*/ 0 w 1130724"/>
-                <a:gd name="connsiteY4" fmla="*/ 211 h 565573"/>
-              </a:gdLst>
-              <a:ahLst/>
-              <a:cxnLst>
-                <a:cxn ang="0">
-                  <a:pos x="connsiteX0" y="connsiteY0"/>
-                </a:cxn>
-                <a:cxn ang="0">
-                  <a:pos x="connsiteX1" y="connsiteY1"/>
-                </a:cxn>
-                <a:cxn ang="0">
-                  <a:pos x="connsiteX2" y="connsiteY2"/>
-                </a:cxn>
-                <a:cxn ang="0">
-                  <a:pos x="connsiteX3" y="connsiteY3"/>
-                </a:cxn>
-                <a:cxn ang="0">
-                  <a:pos x="connsiteX4" y="connsiteY4"/>
-                </a:cxn>
-              </a:cxnLst>
-              <a:rect l="l" t="t" r="r" b="b"/>
-              <a:pathLst>
-                <a:path w="1130724" h="565573">
-                  <a:moveTo>
-                    <a:pt x="21" y="0"/>
-                  </a:moveTo>
-                  <a:lnTo>
-                    <a:pt x="1130703" y="0"/>
-                  </a:lnTo>
-                  <a:lnTo>
-                    <a:pt x="1130724" y="211"/>
-                  </a:lnTo>
-                  <a:cubicBezTo>
-                    <a:pt x="1130724" y="312452"/>
-                    <a:pt x="877603" y="565573"/>
-                    <a:pt x="565362" y="565573"/>
-                  </a:cubicBezTo>
-                  <a:cubicBezTo>
-                    <a:pt x="253121" y="565573"/>
-                    <a:pt x="0" y="312452"/>
-                    <a:pt x="0" y="211"/>
-                  </a:cubicBezTo>
-                  <a:close/>
-                </a:path>
-              </a:pathLst>
-            </a:custGeom>
-            <a:solidFill>
-              <a:schemeClr val="bg2"/>
-            </a:solidFill>
-            <a:ln>
-              <a:noFill/>
-            </a:ln>
-          </p:spPr>
-          <p:style>
-            <a:lnRef idx="2">
-              <a:schemeClr val="accent1">
-                <a:shade val="50000"/>
-              </a:schemeClr>
-            </a:lnRef>
-            <a:fillRef idx="1">
-              <a:schemeClr val="accent1"/>
-            </a:fillRef>
-            <a:effectRef idx="0">
-              <a:schemeClr val="accent1"/>
-            </a:effectRef>
-            <a:fontRef idx="minor">
-              <a:schemeClr val="lt1"/>
-            </a:fontRef>
-          </p:style>
-          <p:txBody>
-            <a:bodyPr wrap="square" rtlCol="0" anchor="ctr">
-              <a:noAutofit/>
-            </a:bodyPr>
-            <a:lstStyle/>
-            <a:p>
-              <a:pPr algn="ctr"/>
-              <a:endParaRPr lang="en-US"/>
-            </a:p>
-          </p:txBody>
-        </p:sp>
-        <p:sp>
-          <p:nvSpPr>
-            <p:cNvPr id="14" name="Freeform 86">
-              <a:extLst>
-                <a:ext uri="{FF2B5EF4-FFF2-40B4-BE49-F238E27FC236}">
-                  <a16:creationId xmlns:a16="http://schemas.microsoft.com/office/drawing/2014/main" id="{D574DB0D-896A-D649-89B1-33753E1D46E7}"/>
-                </a:ext>
-                <a:ext uri="{C183D7F6-B498-43B3-948B-1728B52AA6E4}">
-                  <adec:decorative xmlns:adec="http://schemas.microsoft.com/office/drawing/2017/decorative" val="1"/>
-                </a:ext>
-              </a:extLst>
-            </p:cNvPr>
-            <p:cNvSpPr/>
-            <p:nvPr>
-              <p:extLst>
-                <p:ext uri="{386F3935-93C4-4BCD-93E2-E3B085C9AB24}">
-                  <p16:designElem xmlns:p16="http://schemas.microsoft.com/office/powerpoint/2015/main" val="1"/>
-                </p:ext>
-              </p:extLst>
-            </p:nvPr>
-          </p:nvSpPr>
-          <p:spPr>
-            <a:xfrm>
-              <a:off x="11653180" y="6295093"/>
-              <a:ext cx="538821" cy="562907"/>
-            </a:xfrm>
-            <a:custGeom>
-              <a:avLst/>
-              <a:gdLst>
-                <a:gd name="connsiteX0" fmla="*/ 538821 w 538821"/>
-                <a:gd name="connsiteY0" fmla="*/ 0 h 562907"/>
-                <a:gd name="connsiteX1" fmla="*/ 538821 w 538821"/>
-                <a:gd name="connsiteY1" fmla="*/ 562907 h 562907"/>
-                <a:gd name="connsiteX2" fmla="*/ 22 w 538821"/>
-                <a:gd name="connsiteY2" fmla="*/ 562907 h 562907"/>
-                <a:gd name="connsiteX3" fmla="*/ 0 w 538821"/>
-                <a:gd name="connsiteY3" fmla="*/ 562686 h 562907"/>
-                <a:gd name="connsiteX4" fmla="*/ 451422 w 538821"/>
-                <a:gd name="connsiteY4" fmla="*/ 8810 h 562907"/>
-              </a:gdLst>
-              <a:ahLst/>
-              <a:cxnLst>
-                <a:cxn ang="0">
-                  <a:pos x="connsiteX0" y="connsiteY0"/>
-                </a:cxn>
-                <a:cxn ang="0">
-                  <a:pos x="connsiteX1" y="connsiteY1"/>
-                </a:cxn>
-                <a:cxn ang="0">
-                  <a:pos x="connsiteX2" y="connsiteY2"/>
-                </a:cxn>
-                <a:cxn ang="0">
-                  <a:pos x="connsiteX3" y="connsiteY3"/>
-                </a:cxn>
-                <a:cxn ang="0">
-                  <a:pos x="connsiteX4" y="connsiteY4"/>
-                </a:cxn>
-              </a:cxnLst>
-              <a:rect l="l" t="t" r="r" b="b"/>
-              <a:pathLst>
-                <a:path w="538821" h="562907">
-                  <a:moveTo>
-                    <a:pt x="538821" y="0"/>
-                  </a:moveTo>
-                  <a:lnTo>
-                    <a:pt x="538821" y="562907"/>
-                  </a:lnTo>
-                  <a:lnTo>
-                    <a:pt x="22" y="562907"/>
-                  </a:lnTo>
-                  <a:lnTo>
-                    <a:pt x="0" y="562686"/>
-                  </a:lnTo>
-                  <a:cubicBezTo>
-                    <a:pt x="0" y="289475"/>
-                    <a:pt x="193796" y="61528"/>
-                    <a:pt x="451422" y="8810"/>
-                  </a:cubicBezTo>
-                  <a:close/>
-                </a:path>
-              </a:pathLst>
-            </a:custGeom>
-            <a:solidFill>
-              <a:schemeClr val="bg2"/>
-            </a:solidFill>
-            <a:ln>
-              <a:noFill/>
-            </a:ln>
-          </p:spPr>
-          <p:style>
-            <a:lnRef idx="2">
-              <a:schemeClr val="accent1">
-                <a:shade val="50000"/>
-              </a:schemeClr>
-            </a:lnRef>
-            <a:fillRef idx="1">
-              <a:schemeClr val="accent1"/>
-            </a:fillRef>
-            <a:effectRef idx="0">
-              <a:schemeClr val="accent1"/>
-            </a:effectRef>
-            <a:fontRef idx="minor">
-              <a:schemeClr val="lt1"/>
-            </a:fontRef>
-          </p:style>
-          <p:txBody>
-            <a:bodyPr wrap="square" rtlCol="0" anchor="ctr">
-              <a:noAutofit/>
-            </a:bodyPr>
-            <a:lstStyle/>
-            <a:p>
-              <a:pPr algn="ctr"/>
-              <a:endParaRPr lang="en-US"/>
-            </a:p>
-          </p:txBody>
-        </p:sp>
-        <p:sp>
-          <p:nvSpPr>
-            <p:cNvPr id="15" name="Freeform 87">
-              <a:extLst>
-                <a:ext uri="{FF2B5EF4-FFF2-40B4-BE49-F238E27FC236}">
-                  <a16:creationId xmlns:a16="http://schemas.microsoft.com/office/drawing/2014/main" id="{62256DD9-FEA3-4A40-80D1-B33F0FF1583E}"/>
-                </a:ext>
-                <a:ext uri="{C183D7F6-B498-43B3-948B-1728B52AA6E4}">
-                  <adec:decorative xmlns:adec="http://schemas.microsoft.com/office/drawing/2017/decorative" val="1"/>
-                </a:ext>
-              </a:extLst>
-            </p:cNvPr>
-            <p:cNvSpPr/>
-            <p:nvPr>
-              <p:extLst>
-                <p:ext uri="{386F3935-93C4-4BCD-93E2-E3B085C9AB24}">
-                  <p16:designElem xmlns:p16="http://schemas.microsoft.com/office/powerpoint/2015/main" val="1"/>
-                </p:ext>
-              </p:extLst>
-            </p:nvPr>
-          </p:nvSpPr>
-          <p:spPr>
-            <a:xfrm>
-              <a:off x="11653180" y="3552066"/>
-              <a:ext cx="538821" cy="1125373"/>
-            </a:xfrm>
-            <a:custGeom>
-              <a:avLst/>
-              <a:gdLst>
-                <a:gd name="connsiteX0" fmla="*/ 538821 w 538821"/>
-                <a:gd name="connsiteY0" fmla="*/ 0 h 1125373"/>
-                <a:gd name="connsiteX1" fmla="*/ 538821 w 538821"/>
-                <a:gd name="connsiteY1" fmla="*/ 1125373 h 1125373"/>
-                <a:gd name="connsiteX2" fmla="*/ 451422 w 538821"/>
-                <a:gd name="connsiteY2" fmla="*/ 1116562 h 1125373"/>
-                <a:gd name="connsiteX3" fmla="*/ 0 w 538821"/>
-                <a:gd name="connsiteY3" fmla="*/ 562686 h 1125373"/>
-                <a:gd name="connsiteX4" fmla="*/ 451422 w 538821"/>
-                <a:gd name="connsiteY4" fmla="*/ 8810 h 1125373"/>
-              </a:gdLst>
-              <a:ahLst/>
-              <a:cxnLst>
-                <a:cxn ang="0">
-                  <a:pos x="connsiteX0" y="connsiteY0"/>
-                </a:cxn>
-                <a:cxn ang="0">
-                  <a:pos x="connsiteX1" y="connsiteY1"/>
-                </a:cxn>
-                <a:cxn ang="0">
-                  <a:pos x="connsiteX2" y="connsiteY2"/>
-                </a:cxn>
-                <a:cxn ang="0">
-                  <a:pos x="connsiteX3" y="connsiteY3"/>
-                </a:cxn>
-                <a:cxn ang="0">
-                  <a:pos x="connsiteX4" y="connsiteY4"/>
-                </a:cxn>
-              </a:cxnLst>
-              <a:rect l="l" t="t" r="r" b="b"/>
-              <a:pathLst>
-                <a:path w="538821" h="1125373">
-                  <a:moveTo>
-                    <a:pt x="538821" y="0"/>
-                  </a:moveTo>
-                  <a:lnTo>
-                    <a:pt x="538821" y="1125373"/>
-                  </a:lnTo>
-                  <a:lnTo>
-                    <a:pt x="451422" y="1116562"/>
-                  </a:lnTo>
-                  <a:cubicBezTo>
-                    <a:pt x="193796" y="1063844"/>
-                    <a:pt x="0" y="835897"/>
-                    <a:pt x="0" y="562686"/>
-                  </a:cubicBezTo>
-                  <a:cubicBezTo>
-                    <a:pt x="0" y="289475"/>
-                    <a:pt x="193796" y="61528"/>
-                    <a:pt x="451422" y="8810"/>
-                  </a:cubicBezTo>
-                  <a:close/>
-                </a:path>
-              </a:pathLst>
-            </a:custGeom>
-            <a:solidFill>
-              <a:schemeClr val="bg2"/>
-            </a:solidFill>
-            <a:ln>
-              <a:noFill/>
-            </a:ln>
-          </p:spPr>
-          <p:style>
-            <a:lnRef idx="2">
-              <a:schemeClr val="accent1">
-                <a:shade val="50000"/>
-              </a:schemeClr>
-            </a:lnRef>
-            <a:fillRef idx="1">
-              <a:schemeClr val="accent1"/>
-            </a:fillRef>
-            <a:effectRef idx="0">
-              <a:schemeClr val="accent1"/>
-            </a:effectRef>
-            <a:fontRef idx="minor">
-              <a:schemeClr val="lt1"/>
-            </a:fontRef>
-          </p:style>
-          <p:txBody>
-            <a:bodyPr wrap="square" rtlCol="0" anchor="ctr">
-              <a:noAutofit/>
-            </a:bodyPr>
-            <a:lstStyle/>
-            <a:p>
-              <a:pPr algn="ctr"/>
-              <a:endParaRPr lang="en-US"/>
-            </a:p>
-          </p:txBody>
-        </p:sp>
-        <p:sp>
-          <p:nvSpPr>
-            <p:cNvPr id="16" name="Freeform 88">
-              <a:extLst>
-                <a:ext uri="{FF2B5EF4-FFF2-40B4-BE49-F238E27FC236}">
-                  <a16:creationId xmlns:a16="http://schemas.microsoft.com/office/drawing/2014/main" id="{534E9839-EAD7-3C49-8D10-E4BFE0820820}"/>
-                </a:ext>
-                <a:ext uri="{C183D7F6-B498-43B3-948B-1728B52AA6E4}">
-                  <adec:decorative xmlns:adec="http://schemas.microsoft.com/office/drawing/2017/decorative" val="1"/>
-                </a:ext>
-              </a:extLst>
-            </p:cNvPr>
-            <p:cNvSpPr/>
-            <p:nvPr>
-              <p:extLst>
-                <p:ext uri="{386F3935-93C4-4BCD-93E2-E3B085C9AB24}">
-                  <p16:designElem xmlns:p16="http://schemas.microsoft.com/office/powerpoint/2015/main" val="1"/>
-                </p:ext>
-              </p:extLst>
-            </p:nvPr>
-          </p:nvSpPr>
-          <p:spPr>
-            <a:xfrm>
-              <a:off x="11653180" y="2180552"/>
-              <a:ext cx="538821" cy="1125373"/>
-            </a:xfrm>
-            <a:custGeom>
-              <a:avLst/>
-              <a:gdLst>
-                <a:gd name="connsiteX0" fmla="*/ 538821 w 538821"/>
-                <a:gd name="connsiteY0" fmla="*/ 0 h 1125373"/>
-                <a:gd name="connsiteX1" fmla="*/ 538821 w 538821"/>
-                <a:gd name="connsiteY1" fmla="*/ 1125373 h 1125373"/>
-                <a:gd name="connsiteX2" fmla="*/ 451422 w 538821"/>
-                <a:gd name="connsiteY2" fmla="*/ 1116562 h 1125373"/>
-                <a:gd name="connsiteX3" fmla="*/ 0 w 538821"/>
-                <a:gd name="connsiteY3" fmla="*/ 562686 h 1125373"/>
-                <a:gd name="connsiteX4" fmla="*/ 451422 w 538821"/>
-                <a:gd name="connsiteY4" fmla="*/ 8810 h 1125373"/>
-              </a:gdLst>
-              <a:ahLst/>
-              <a:cxnLst>
-                <a:cxn ang="0">
-                  <a:pos x="connsiteX0" y="connsiteY0"/>
-                </a:cxn>
-                <a:cxn ang="0">
-                  <a:pos x="connsiteX1" y="connsiteY1"/>
-                </a:cxn>
-                <a:cxn ang="0">
-                  <a:pos x="connsiteX2" y="connsiteY2"/>
-                </a:cxn>
-                <a:cxn ang="0">
-                  <a:pos x="connsiteX3" y="connsiteY3"/>
-                </a:cxn>
-                <a:cxn ang="0">
-                  <a:pos x="connsiteX4" y="connsiteY4"/>
-                </a:cxn>
-              </a:cxnLst>
-              <a:rect l="l" t="t" r="r" b="b"/>
-              <a:pathLst>
-                <a:path w="538821" h="1125373">
-                  <a:moveTo>
-                    <a:pt x="538821" y="0"/>
-                  </a:moveTo>
-                  <a:lnTo>
-                    <a:pt x="538821" y="1125373"/>
-                  </a:lnTo>
-                  <a:lnTo>
-                    <a:pt x="451422" y="1116562"/>
-                  </a:lnTo>
-                  <a:cubicBezTo>
-                    <a:pt x="193796" y="1063844"/>
-                    <a:pt x="0" y="835897"/>
-                    <a:pt x="0" y="562686"/>
-                  </a:cubicBezTo>
-                  <a:cubicBezTo>
-                    <a:pt x="0" y="289475"/>
-                    <a:pt x="193796" y="61528"/>
-                    <a:pt x="451422" y="8810"/>
-                  </a:cubicBezTo>
-                  <a:close/>
-                </a:path>
-              </a:pathLst>
-            </a:custGeom>
-            <a:solidFill>
-              <a:schemeClr val="bg2"/>
-            </a:solidFill>
-            <a:ln>
-              <a:noFill/>
-            </a:ln>
-          </p:spPr>
-          <p:style>
-            <a:lnRef idx="2">
-              <a:schemeClr val="accent1">
-                <a:shade val="50000"/>
-              </a:schemeClr>
-            </a:lnRef>
-            <a:fillRef idx="1">
-              <a:schemeClr val="accent1"/>
-            </a:fillRef>
-            <a:effectRef idx="0">
-              <a:schemeClr val="accent1"/>
-            </a:effectRef>
-            <a:fontRef idx="minor">
-              <a:schemeClr val="lt1"/>
-            </a:fontRef>
-          </p:style>
-          <p:txBody>
-            <a:bodyPr wrap="square" rtlCol="0" anchor="ctr">
-              <a:noAutofit/>
-            </a:bodyPr>
-            <a:lstStyle/>
-            <a:p>
-              <a:pPr algn="ctr"/>
-              <a:endParaRPr lang="en-US"/>
-            </a:p>
-          </p:txBody>
-        </p:sp>
-        <p:sp>
-          <p:nvSpPr>
-            <p:cNvPr id="17" name="Freeform 89">
-              <a:extLst>
-                <a:ext uri="{FF2B5EF4-FFF2-40B4-BE49-F238E27FC236}">
-                  <a16:creationId xmlns:a16="http://schemas.microsoft.com/office/drawing/2014/main" id="{DDFC3FA6-9BB5-A34E-9337-A2E9A1EED931}"/>
-                </a:ext>
-                <a:ext uri="{C183D7F6-B498-43B3-948B-1728B52AA6E4}">
-                  <adec:decorative xmlns:adec="http://schemas.microsoft.com/office/drawing/2017/decorative" val="1"/>
-                </a:ext>
-              </a:extLst>
-            </p:cNvPr>
-            <p:cNvSpPr/>
-            <p:nvPr>
-              <p:extLst>
-                <p:ext uri="{386F3935-93C4-4BCD-93E2-E3B085C9AB24}">
-                  <p16:designElem xmlns:p16="http://schemas.microsoft.com/office/powerpoint/2015/main" val="1"/>
-                </p:ext>
-              </p:extLst>
-            </p:nvPr>
-          </p:nvSpPr>
-          <p:spPr>
-            <a:xfrm>
-              <a:off x="11653180" y="809039"/>
-              <a:ext cx="538821" cy="1125373"/>
-            </a:xfrm>
-            <a:custGeom>
-              <a:avLst/>
-              <a:gdLst>
-                <a:gd name="connsiteX0" fmla="*/ 538821 w 538821"/>
-                <a:gd name="connsiteY0" fmla="*/ 0 h 1125373"/>
-                <a:gd name="connsiteX1" fmla="*/ 538821 w 538821"/>
-                <a:gd name="connsiteY1" fmla="*/ 1125373 h 1125373"/>
-                <a:gd name="connsiteX2" fmla="*/ 451422 w 538821"/>
-                <a:gd name="connsiteY2" fmla="*/ 1116562 h 1125373"/>
-                <a:gd name="connsiteX3" fmla="*/ 0 w 538821"/>
-                <a:gd name="connsiteY3" fmla="*/ 562686 h 1125373"/>
-                <a:gd name="connsiteX4" fmla="*/ 451422 w 538821"/>
-                <a:gd name="connsiteY4" fmla="*/ 8810 h 1125373"/>
-              </a:gdLst>
-              <a:ahLst/>
-              <a:cxnLst>
-                <a:cxn ang="0">
-                  <a:pos x="connsiteX0" y="connsiteY0"/>
-                </a:cxn>
-                <a:cxn ang="0">
-                  <a:pos x="connsiteX1" y="connsiteY1"/>
-                </a:cxn>
-                <a:cxn ang="0">
-                  <a:pos x="connsiteX2" y="connsiteY2"/>
-                </a:cxn>
-                <a:cxn ang="0">
-                  <a:pos x="connsiteX3" y="connsiteY3"/>
-                </a:cxn>
-                <a:cxn ang="0">
-                  <a:pos x="connsiteX4" y="connsiteY4"/>
-                </a:cxn>
-              </a:cxnLst>
-              <a:rect l="l" t="t" r="r" b="b"/>
-              <a:pathLst>
-                <a:path w="538821" h="1125373">
-                  <a:moveTo>
-                    <a:pt x="538821" y="0"/>
-                  </a:moveTo>
-                  <a:lnTo>
-                    <a:pt x="538821" y="1125373"/>
-                  </a:lnTo>
-                  <a:lnTo>
-                    <a:pt x="451422" y="1116562"/>
-                  </a:lnTo>
-                  <a:cubicBezTo>
-                    <a:pt x="193796" y="1063844"/>
-                    <a:pt x="0" y="835897"/>
-                    <a:pt x="0" y="562686"/>
-                  </a:cubicBezTo>
-                  <a:cubicBezTo>
-                    <a:pt x="0" y="289475"/>
-                    <a:pt x="193796" y="61528"/>
-                    <a:pt x="451422" y="8810"/>
-                  </a:cubicBezTo>
-                  <a:close/>
-                </a:path>
-              </a:pathLst>
-            </a:custGeom>
-            <a:solidFill>
-              <a:schemeClr val="accent1"/>
-            </a:solidFill>
-            <a:ln>
-              <a:noFill/>
-            </a:ln>
-          </p:spPr>
-          <p:style>
-            <a:lnRef idx="2">
-              <a:schemeClr val="accent1">
-                <a:shade val="50000"/>
-              </a:schemeClr>
-            </a:lnRef>
-            <a:fillRef idx="1">
-              <a:schemeClr val="accent1"/>
-            </a:fillRef>
-            <a:effectRef idx="0">
-              <a:schemeClr val="accent1"/>
-            </a:effectRef>
-            <a:fontRef idx="minor">
-              <a:schemeClr val="lt1"/>
-            </a:fontRef>
-          </p:style>
-          <p:txBody>
-            <a:bodyPr wrap="square" rtlCol="0" anchor="ctr">
-              <a:noAutofit/>
-            </a:bodyPr>
-            <a:lstStyle/>
-            <a:p>
-              <a:pPr algn="ctr"/>
-              <a:endParaRPr lang="en-US"/>
-            </a:p>
-          </p:txBody>
-        </p:sp>
-        <p:sp>
-          <p:nvSpPr>
-            <p:cNvPr id="18" name="Freeform 97">
-              <a:extLst>
-                <a:ext uri="{FF2B5EF4-FFF2-40B4-BE49-F238E27FC236}">
-                  <a16:creationId xmlns:a16="http://schemas.microsoft.com/office/drawing/2014/main" id="{45000D9E-4AD7-5A4F-8E99-302F388C833B}"/>
-                </a:ext>
-                <a:ext uri="{C183D7F6-B498-43B3-948B-1728B52AA6E4}">
-                  <adec:decorative xmlns:adec="http://schemas.microsoft.com/office/drawing/2017/decorative" val="1"/>
-                </a:ext>
-              </a:extLst>
-            </p:cNvPr>
-            <p:cNvSpPr/>
-            <p:nvPr>
-              <p:extLst>
-                <p:ext uri="{386F3935-93C4-4BCD-93E2-E3B085C9AB24}">
-                  <p16:designElem xmlns:p16="http://schemas.microsoft.com/office/powerpoint/2015/main" val="1"/>
-                </p:ext>
-              </p:extLst>
-            </p:nvPr>
-          </p:nvSpPr>
-          <p:spPr>
-            <a:xfrm>
-              <a:off x="11653180" y="0"/>
-              <a:ext cx="538821" cy="562898"/>
-            </a:xfrm>
-            <a:custGeom>
-              <a:avLst/>
-              <a:gdLst>
-                <a:gd name="connsiteX0" fmla="*/ 21 w 538821"/>
-                <a:gd name="connsiteY0" fmla="*/ 0 h 562898"/>
-                <a:gd name="connsiteX1" fmla="*/ 538821 w 538821"/>
-                <a:gd name="connsiteY1" fmla="*/ 0 h 562898"/>
-                <a:gd name="connsiteX2" fmla="*/ 538821 w 538821"/>
-                <a:gd name="connsiteY2" fmla="*/ 562898 h 562898"/>
-                <a:gd name="connsiteX3" fmla="*/ 451422 w 538821"/>
-                <a:gd name="connsiteY3" fmla="*/ 554087 h 562898"/>
-                <a:gd name="connsiteX4" fmla="*/ 0 w 538821"/>
-                <a:gd name="connsiteY4" fmla="*/ 211 h 562898"/>
-              </a:gdLst>
-              <a:ahLst/>
-              <a:cxnLst>
-                <a:cxn ang="0">
-                  <a:pos x="connsiteX0" y="connsiteY0"/>
-                </a:cxn>
-                <a:cxn ang="0">
-                  <a:pos x="connsiteX1" y="connsiteY1"/>
-                </a:cxn>
-                <a:cxn ang="0">
-                  <a:pos x="connsiteX2" y="connsiteY2"/>
-                </a:cxn>
-                <a:cxn ang="0">
-                  <a:pos x="connsiteX3" y="connsiteY3"/>
-                </a:cxn>
-                <a:cxn ang="0">
-                  <a:pos x="connsiteX4" y="connsiteY4"/>
-                </a:cxn>
-              </a:cxnLst>
-              <a:rect l="l" t="t" r="r" b="b"/>
-              <a:pathLst>
-                <a:path w="538821" h="562898">
-                  <a:moveTo>
-                    <a:pt x="21" y="0"/>
-                  </a:moveTo>
-                  <a:lnTo>
-                    <a:pt x="538821" y="0"/>
-                  </a:lnTo>
-                  <a:lnTo>
-                    <a:pt x="538821" y="562898"/>
-                  </a:lnTo>
-                  <a:lnTo>
-                    <a:pt x="451422" y="554087"/>
-                  </a:lnTo>
-                  <a:cubicBezTo>
-                    <a:pt x="193796" y="501369"/>
-                    <a:pt x="0" y="273422"/>
-                    <a:pt x="0" y="211"/>
-                  </a:cubicBezTo>
-                  <a:close/>
-                </a:path>
-              </a:pathLst>
-            </a:custGeom>
-            <a:solidFill>
-              <a:schemeClr val="bg2"/>
-            </a:solidFill>
-            <a:ln>
-              <a:noFill/>
-            </a:ln>
-          </p:spPr>
-          <p:style>
-            <a:lnRef idx="2">
-              <a:schemeClr val="accent1">
-                <a:shade val="50000"/>
-              </a:schemeClr>
-            </a:lnRef>
-            <a:fillRef idx="1">
-              <a:schemeClr val="accent1"/>
-            </a:fillRef>
-            <a:effectRef idx="0">
-              <a:schemeClr val="accent1"/>
-            </a:effectRef>
-            <a:fontRef idx="minor">
-              <a:schemeClr val="lt1"/>
-            </a:fontRef>
-          </p:style>
-          <p:txBody>
-            <a:bodyPr wrap="square" rtlCol="0" anchor="ctr">
-              <a:noAutofit/>
-            </a:bodyPr>
-            <a:lstStyle/>
-            <a:p>
-              <a:pPr algn="ctr"/>
-              <a:endParaRPr lang="en-US"/>
-            </a:p>
-          </p:txBody>
-        </p:sp>
-      </p:grpSp>
+          <a:prstGeom prst="rect">
+            <a:avLst/>
+          </a:prstGeom>
+          <a:gradFill flip="none" rotWithShape="1">
+            <a:gsLst>
+              <a:gs pos="31000">
+                <a:schemeClr val="bg1">
+                  <a:alpha val="80000"/>
+                </a:schemeClr>
+              </a:gs>
+              <a:gs pos="0">
+                <a:schemeClr val="bg1"/>
+              </a:gs>
+              <a:gs pos="100000">
+                <a:schemeClr val="bg1">
+                  <a:alpha val="34000"/>
+                </a:schemeClr>
+              </a:gs>
+            </a:gsLst>
+            <a:path path="circle">
+              <a:fillToRect r="100000" b="100000"/>
+            </a:path>
+            <a:tileRect l="-100000" t="-100000"/>
+          </a:gradFill>
+          <a:ln w="12700">
+            <a:miter lim="400000"/>
+          </a:ln>
+        </p:spPr>
+        <p:txBody>
+          <a:bodyPr lIns="50800" tIns="50800" rIns="50800" bIns="50800" anchor="ctr"/>
+          <a:lstStyle/>
+          <a:p>
+            <a:pPr algn="ctr"/>
+            <a:endParaRPr sz="2600" cap="all" dirty="0">
+              <a:solidFill>
+                <a:srgbClr val="FFFFFF"/>
+              </a:solidFill>
+              <a:sym typeface="Avenir Next"/>
+            </a:endParaRPr>
+          </a:p>
+        </p:txBody>
+      </p:sp>
       <p:sp>
         <p:nvSpPr>
           <p:cNvPr id="2" name="Title 1">
@@ -18747,8 +18119,8 @@
         </p:nvSpPr>
         <p:spPr>
           <a:xfrm>
-            <a:off x="4739751" y="768334"/>
-            <a:ext cx="6479629" cy="2866405"/>
+            <a:off x="565150" y="768334"/>
+            <a:ext cx="6969505" cy="2866405"/>
           </a:xfrm>
         </p:spPr>
         <p:txBody>
@@ -18758,7 +18130,7 @@
           <a:lstStyle/>
           <a:p>
             <a:r>
-              <a:rPr lang="en-US" dirty="0"/>
+              <a:rPr lang="en-US" sz="6600"/>
               <a:t>It’s an avocado…</a:t>
             </a:r>
           </a:p>
@@ -18782,8 +18154,8 @@
         </p:nvSpPr>
         <p:spPr>
           <a:xfrm>
-            <a:off x="4739751" y="4283239"/>
-            <a:ext cx="6479629" cy="1475177"/>
+            <a:off x="565150" y="4283239"/>
+            <a:ext cx="6969505" cy="1475177"/>
           </a:xfrm>
         </p:spPr>
         <p:txBody>
@@ -18799,41 +18171,12 @@
           </a:p>
         </p:txBody>
       </p:sp>
-      <p:pic>
-        <p:nvPicPr>
-          <p:cNvPr id="4" name="Picture 3" descr="Avocado cut in half on green background">
+      <p:cxnSp>
+        <p:nvCxnSpPr>
+          <p:cNvPr id="75" name="Straight Connector 74">
             <a:extLst>
               <a:ext uri="{FF2B5EF4-FFF2-40B4-BE49-F238E27FC236}">
-                <a16:creationId xmlns:a16="http://schemas.microsoft.com/office/drawing/2014/main" id="{E2EA4E84-84B4-4051-A34E-8429F9EC0A5B}"/>
-              </a:ext>
-            </a:extLst>
-          </p:cNvPr>
-          <p:cNvPicPr>
-            <a:picLocks noChangeAspect="1"/>
-          </p:cNvPicPr>
-          <p:nvPr/>
-        </p:nvPicPr>
-        <p:blipFill rotWithShape="1">
-          <a:blip r:embed="rId2"/>
-          <a:srcRect l="56579" r="2800" b="-2"/>
-          <a:stretch/>
-        </p:blipFill>
-        <p:spPr>
-          <a:xfrm>
-            <a:off x="20" y="1"/>
-            <a:ext cx="4173349" cy="6857999"/>
-          </a:xfrm>
-          <a:prstGeom prst="rect">
-            <a:avLst/>
-          </a:prstGeom>
-        </p:spPr>
-      </p:pic>
-      <p:cxnSp>
-        <p:nvCxnSpPr>
-          <p:cNvPr id="20" name="Straight Connector 19">
-            <a:extLst>
-              <a:ext uri="{FF2B5EF4-FFF2-40B4-BE49-F238E27FC236}">
-                <a16:creationId xmlns:a16="http://schemas.microsoft.com/office/drawing/2014/main" id="{EEA70831-9A8D-3B4D-8EA5-EE32F93E94E9}"/>
+                <a16:creationId xmlns:a16="http://schemas.microsoft.com/office/drawing/2014/main" id="{EC392F51-F23E-E242-9750-A5B1F128E573}"/>
               </a:ext>
               <a:ext uri="{C183D7F6-B498-43B3-948B-1728B52AA6E4}">
                 <adec:decorative xmlns:adec="http://schemas.microsoft.com/office/drawing/2017/decorative" val="1"/>
@@ -18853,17 +18196,15 @@
         </p:nvCxnSpPr>
         <p:spPr>
           <a:xfrm>
-            <a:off x="4739752" y="6087110"/>
-            <a:ext cx="6883742" cy="0"/>
+            <a:off x="565150" y="6087110"/>
+            <a:ext cx="7335835" cy="0"/>
           </a:xfrm>
           <a:prstGeom prst="line">
             <a:avLst/>
           </a:prstGeom>
           <a:ln w="12700">
             <a:solidFill>
-              <a:schemeClr val="bg1">
-                <a:lumMod val="65000"/>
-              </a:schemeClr>
+              <a:schemeClr val="tx2"/>
             </a:solidFill>
           </a:ln>
         </p:spPr>
@@ -18882,6 +18223,1089 @@
           </a:fontRef>
         </p:style>
       </p:cxnSp>
+      <p:grpSp>
+        <p:nvGrpSpPr>
+          <p:cNvPr id="77" name="Group 76">
+            <a:extLst>
+              <a:ext uri="{FF2B5EF4-FFF2-40B4-BE49-F238E27FC236}">
+                <a16:creationId xmlns:a16="http://schemas.microsoft.com/office/drawing/2014/main" id="{44406D7A-DB1A-D940-8AD1-93FAF9DD7199}"/>
+              </a:ext>
+              <a:ext uri="{C183D7F6-B498-43B3-948B-1728B52AA6E4}">
+                <adec:decorative xmlns:adec="http://schemas.microsoft.com/office/drawing/2017/decorative" val="1"/>
+              </a:ext>
+            </a:extLst>
+          </p:cNvPr>
+          <p:cNvGrpSpPr>
+            <a:grpSpLocks noGrp="1" noUngrp="1" noRot="1" noChangeAspect="1" noMove="1" noResize="1"/>
+          </p:cNvGrpSpPr>
+          <p:nvPr>
+            <p:extLst>
+              <p:ext uri="{386F3935-93C4-4BCD-93E2-E3B085C9AB24}">
+                <p16:designElem xmlns:p16="http://schemas.microsoft.com/office/powerpoint/2015/main" val="1"/>
+              </p:ext>
+            </p:extLst>
+          </p:nvPr>
+        </p:nvGrpSpPr>
+        <p:grpSpPr>
+          <a:xfrm>
+            <a:off x="10291746" y="0"/>
+            <a:ext cx="1900254" cy="6858000"/>
+            <a:chOff x="10291746" y="0"/>
+            <a:chExt cx="1900254" cy="6858000"/>
+          </a:xfrm>
+        </p:grpSpPr>
+        <p:sp>
+          <p:nvSpPr>
+            <p:cNvPr id="78" name="Freeform 40">
+              <a:extLst>
+                <a:ext uri="{FF2B5EF4-FFF2-40B4-BE49-F238E27FC236}">
+                  <a16:creationId xmlns:a16="http://schemas.microsoft.com/office/drawing/2014/main" id="{D0F85DF7-431B-BE45-B932-0E22FC3F84A5}"/>
+                </a:ext>
+                <a:ext uri="{C183D7F6-B498-43B3-948B-1728B52AA6E4}">
+                  <adec:decorative xmlns:adec="http://schemas.microsoft.com/office/drawing/2017/decorative" val="1"/>
+                </a:ext>
+              </a:extLst>
+            </p:cNvPr>
+            <p:cNvSpPr/>
+            <p:nvPr>
+              <p:extLst>
+                <p:ext uri="{386F3935-93C4-4BCD-93E2-E3B085C9AB24}">
+                  <p16:designElem xmlns:p16="http://schemas.microsoft.com/office/powerpoint/2015/main" val="1"/>
+                </p:ext>
+              </p:extLst>
+            </p:nvPr>
+          </p:nvSpPr>
+          <p:spPr>
+            <a:xfrm>
+              <a:off x="11655829" y="809310"/>
+              <a:ext cx="536171" cy="1124839"/>
+            </a:xfrm>
+            <a:custGeom>
+              <a:avLst/>
+              <a:gdLst>
+                <a:gd name="connsiteX0" fmla="*/ 536171 w 536171"/>
+                <a:gd name="connsiteY0" fmla="*/ 0 h 1124839"/>
+                <a:gd name="connsiteX1" fmla="*/ 536171 w 536171"/>
+                <a:gd name="connsiteY1" fmla="*/ 1124839 h 1124839"/>
+                <a:gd name="connsiteX2" fmla="*/ 451423 w 536171"/>
+                <a:gd name="connsiteY2" fmla="*/ 1116295 h 1124839"/>
+                <a:gd name="connsiteX3" fmla="*/ 0 w 536171"/>
+                <a:gd name="connsiteY3" fmla="*/ 562419 h 1124839"/>
+                <a:gd name="connsiteX4" fmla="*/ 451423 w 536171"/>
+                <a:gd name="connsiteY4" fmla="*/ 8543 h 1124839"/>
+              </a:gdLst>
+              <a:ahLst/>
+              <a:cxnLst>
+                <a:cxn ang="0">
+                  <a:pos x="connsiteX0" y="connsiteY0"/>
+                </a:cxn>
+                <a:cxn ang="0">
+                  <a:pos x="connsiteX1" y="connsiteY1"/>
+                </a:cxn>
+                <a:cxn ang="0">
+                  <a:pos x="connsiteX2" y="connsiteY2"/>
+                </a:cxn>
+                <a:cxn ang="0">
+                  <a:pos x="connsiteX3" y="connsiteY3"/>
+                </a:cxn>
+                <a:cxn ang="0">
+                  <a:pos x="connsiteX4" y="connsiteY4"/>
+                </a:cxn>
+              </a:cxnLst>
+              <a:rect l="l" t="t" r="r" b="b"/>
+              <a:pathLst>
+                <a:path w="536171" h="1124839">
+                  <a:moveTo>
+                    <a:pt x="536171" y="0"/>
+                  </a:moveTo>
+                  <a:lnTo>
+                    <a:pt x="536171" y="1124839"/>
+                  </a:lnTo>
+                  <a:lnTo>
+                    <a:pt x="451423" y="1116295"/>
+                  </a:lnTo>
+                  <a:cubicBezTo>
+                    <a:pt x="193797" y="1063577"/>
+                    <a:pt x="0" y="835630"/>
+                    <a:pt x="0" y="562419"/>
+                  </a:cubicBezTo>
+                  <a:cubicBezTo>
+                    <a:pt x="0" y="289208"/>
+                    <a:pt x="193797" y="61261"/>
+                    <a:pt x="451423" y="8543"/>
+                  </a:cubicBezTo>
+                  <a:close/>
+                </a:path>
+              </a:pathLst>
+            </a:custGeom>
+            <a:solidFill>
+              <a:schemeClr val="accent1"/>
+            </a:solidFill>
+            <a:ln>
+              <a:noFill/>
+            </a:ln>
+          </p:spPr>
+          <p:style>
+            <a:lnRef idx="2">
+              <a:schemeClr val="accent1">
+                <a:shade val="50000"/>
+              </a:schemeClr>
+            </a:lnRef>
+            <a:fillRef idx="1">
+              <a:schemeClr val="accent1"/>
+            </a:fillRef>
+            <a:effectRef idx="0">
+              <a:schemeClr val="accent1"/>
+            </a:effectRef>
+            <a:fontRef idx="minor">
+              <a:schemeClr val="lt1"/>
+            </a:fontRef>
+          </p:style>
+          <p:txBody>
+            <a:bodyPr wrap="square" rtlCol="0" anchor="ctr">
+              <a:noAutofit/>
+            </a:bodyPr>
+            <a:lstStyle/>
+            <a:p>
+              <a:pPr algn="ctr"/>
+              <a:endParaRPr lang="en-US"/>
+            </a:p>
+          </p:txBody>
+        </p:sp>
+        <p:sp>
+          <p:nvSpPr>
+            <p:cNvPr id="79" name="Freeform 41">
+              <a:extLst>
+                <a:ext uri="{FF2B5EF4-FFF2-40B4-BE49-F238E27FC236}">
+                  <a16:creationId xmlns:a16="http://schemas.microsoft.com/office/drawing/2014/main" id="{BEA0AA89-2965-2A44-B84E-51C748B2D21E}"/>
+                </a:ext>
+                <a:ext uri="{C183D7F6-B498-43B3-948B-1728B52AA6E4}">
+                  <adec:decorative xmlns:adec="http://schemas.microsoft.com/office/drawing/2017/decorative" val="1"/>
+                </a:ext>
+              </a:extLst>
+            </p:cNvPr>
+            <p:cNvSpPr/>
+            <p:nvPr>
+              <p:extLst>
+                <p:ext uri="{386F3935-93C4-4BCD-93E2-E3B085C9AB24}">
+                  <p16:designElem xmlns:p16="http://schemas.microsoft.com/office/powerpoint/2015/main" val="1"/>
+                </p:ext>
+              </p:extLst>
+            </p:nvPr>
+          </p:nvSpPr>
+          <p:spPr>
+            <a:xfrm>
+              <a:off x="10291748" y="0"/>
+              <a:ext cx="1130725" cy="565362"/>
+            </a:xfrm>
+            <a:custGeom>
+              <a:avLst/>
+              <a:gdLst>
+                <a:gd name="connsiteX0" fmla="*/ 0 w 1130725"/>
+                <a:gd name="connsiteY0" fmla="*/ 0 h 565362"/>
+                <a:gd name="connsiteX1" fmla="*/ 25420 w 1130725"/>
+                <a:gd name="connsiteY1" fmla="*/ 0 h 565362"/>
+                <a:gd name="connsiteX2" fmla="*/ 36369 w 1130725"/>
+                <a:gd name="connsiteY2" fmla="*/ 108609 h 565362"/>
+                <a:gd name="connsiteX3" fmla="*/ 565363 w 1130725"/>
+                <a:gd name="connsiteY3" fmla="*/ 539750 h 565362"/>
+                <a:gd name="connsiteX4" fmla="*/ 1094356 w 1130725"/>
+                <a:gd name="connsiteY4" fmla="*/ 108609 h 565362"/>
+                <a:gd name="connsiteX5" fmla="*/ 1105305 w 1130725"/>
+                <a:gd name="connsiteY5" fmla="*/ 0 h 565362"/>
+                <a:gd name="connsiteX6" fmla="*/ 1130725 w 1130725"/>
+                <a:gd name="connsiteY6" fmla="*/ 0 h 565362"/>
+                <a:gd name="connsiteX7" fmla="*/ 565363 w 1130725"/>
+                <a:gd name="connsiteY7" fmla="*/ 565362 h 565362"/>
+                <a:gd name="connsiteX8" fmla="*/ 0 w 1130725"/>
+                <a:gd name="connsiteY8" fmla="*/ 0 h 565362"/>
+              </a:gdLst>
+              <a:ahLst/>
+              <a:cxnLst>
+                <a:cxn ang="0">
+                  <a:pos x="connsiteX0" y="connsiteY0"/>
+                </a:cxn>
+                <a:cxn ang="0">
+                  <a:pos x="connsiteX1" y="connsiteY1"/>
+                </a:cxn>
+                <a:cxn ang="0">
+                  <a:pos x="connsiteX2" y="connsiteY2"/>
+                </a:cxn>
+                <a:cxn ang="0">
+                  <a:pos x="connsiteX3" y="connsiteY3"/>
+                </a:cxn>
+                <a:cxn ang="0">
+                  <a:pos x="connsiteX4" y="connsiteY4"/>
+                </a:cxn>
+                <a:cxn ang="0">
+                  <a:pos x="connsiteX5" y="connsiteY5"/>
+                </a:cxn>
+                <a:cxn ang="0">
+                  <a:pos x="connsiteX6" y="connsiteY6"/>
+                </a:cxn>
+                <a:cxn ang="0">
+                  <a:pos x="connsiteX7" y="connsiteY7"/>
+                </a:cxn>
+                <a:cxn ang="0">
+                  <a:pos x="connsiteX8" y="connsiteY8"/>
+                </a:cxn>
+              </a:cxnLst>
+              <a:rect l="l" t="t" r="r" b="b"/>
+              <a:pathLst>
+                <a:path w="1130725" h="565362">
+                  <a:moveTo>
+                    <a:pt x="0" y="0"/>
+                  </a:moveTo>
+                  <a:lnTo>
+                    <a:pt x="25420" y="0"/>
+                  </a:lnTo>
+                  <a:lnTo>
+                    <a:pt x="36369" y="108609"/>
+                  </a:lnTo>
+                  <a:cubicBezTo>
+                    <a:pt x="86718" y="354660"/>
+                    <a:pt x="304425" y="539750"/>
+                    <a:pt x="565363" y="539750"/>
+                  </a:cubicBezTo>
+                  <a:cubicBezTo>
+                    <a:pt x="826300" y="539750"/>
+                    <a:pt x="1044007" y="354660"/>
+                    <a:pt x="1094356" y="108609"/>
+                  </a:cubicBezTo>
+                  <a:lnTo>
+                    <a:pt x="1105305" y="0"/>
+                  </a:lnTo>
+                  <a:lnTo>
+                    <a:pt x="1130725" y="0"/>
+                  </a:lnTo>
+                  <a:cubicBezTo>
+                    <a:pt x="1130725" y="312241"/>
+                    <a:pt x="877604" y="565362"/>
+                    <a:pt x="565363" y="565362"/>
+                  </a:cubicBezTo>
+                  <a:cubicBezTo>
+                    <a:pt x="253121" y="565362"/>
+                    <a:pt x="0" y="312241"/>
+                    <a:pt x="0" y="0"/>
+                  </a:cubicBezTo>
+                  <a:close/>
+                </a:path>
+              </a:pathLst>
+            </a:custGeom>
+            <a:solidFill>
+              <a:schemeClr val="tx1"/>
+            </a:solidFill>
+            <a:ln>
+              <a:noFill/>
+            </a:ln>
+          </p:spPr>
+          <p:style>
+            <a:lnRef idx="2">
+              <a:schemeClr val="accent1">
+                <a:shade val="50000"/>
+              </a:schemeClr>
+            </a:lnRef>
+            <a:fillRef idx="1">
+              <a:schemeClr val="accent1"/>
+            </a:fillRef>
+            <a:effectRef idx="0">
+              <a:schemeClr val="accent1"/>
+            </a:effectRef>
+            <a:fontRef idx="minor">
+              <a:schemeClr val="lt1"/>
+            </a:fontRef>
+          </p:style>
+          <p:txBody>
+            <a:bodyPr wrap="square" rtlCol="0" anchor="ctr">
+              <a:noAutofit/>
+            </a:bodyPr>
+            <a:lstStyle/>
+            <a:p>
+              <a:pPr algn="ctr"/>
+              <a:endParaRPr lang="en-US"/>
+            </a:p>
+          </p:txBody>
+        </p:sp>
+        <p:sp>
+          <p:nvSpPr>
+            <p:cNvPr id="80" name="Freeform 42">
+              <a:extLst>
+                <a:ext uri="{FF2B5EF4-FFF2-40B4-BE49-F238E27FC236}">
+                  <a16:creationId xmlns:a16="http://schemas.microsoft.com/office/drawing/2014/main" id="{7EC47259-887A-FD48-989C-42BC5A3C9838}"/>
+                </a:ext>
+                <a:ext uri="{C183D7F6-B498-43B3-948B-1728B52AA6E4}">
+                  <adec:decorative xmlns:adec="http://schemas.microsoft.com/office/drawing/2017/decorative" val="1"/>
+                </a:ext>
+              </a:extLst>
+            </p:cNvPr>
+            <p:cNvSpPr/>
+            <p:nvPr>
+              <p:extLst>
+                <p:ext uri="{386F3935-93C4-4BCD-93E2-E3B085C9AB24}">
+                  <p16:designElem xmlns:p16="http://schemas.microsoft.com/office/powerpoint/2015/main" val="1"/>
+                </p:ext>
+              </p:extLst>
+            </p:nvPr>
+          </p:nvSpPr>
+          <p:spPr>
+            <a:xfrm>
+              <a:off x="11656578" y="0"/>
+              <a:ext cx="535422" cy="562344"/>
+            </a:xfrm>
+            <a:custGeom>
+              <a:avLst/>
+              <a:gdLst>
+                <a:gd name="connsiteX0" fmla="*/ 0 w 535422"/>
+                <a:gd name="connsiteY0" fmla="*/ 0 h 562344"/>
+                <a:gd name="connsiteX1" fmla="*/ 25421 w 535422"/>
+                <a:gd name="connsiteY1" fmla="*/ 0 h 562344"/>
+                <a:gd name="connsiteX2" fmla="*/ 36370 w 535422"/>
+                <a:gd name="connsiteY2" fmla="*/ 108609 h 562344"/>
+                <a:gd name="connsiteX3" fmla="*/ 469781 w 535422"/>
+                <a:gd name="connsiteY3" fmla="*/ 531316 h 562344"/>
+                <a:gd name="connsiteX4" fmla="*/ 535422 w 535422"/>
+                <a:gd name="connsiteY4" fmla="*/ 537108 h 562344"/>
+                <a:gd name="connsiteX5" fmla="*/ 535422 w 535422"/>
+                <a:gd name="connsiteY5" fmla="*/ 562344 h 562344"/>
+                <a:gd name="connsiteX6" fmla="*/ 451424 w 535422"/>
+                <a:gd name="connsiteY6" fmla="*/ 553876 h 562344"/>
+                <a:gd name="connsiteX7" fmla="*/ 0 w 535422"/>
+                <a:gd name="connsiteY7" fmla="*/ 0 h 562344"/>
+              </a:gdLst>
+              <a:ahLst/>
+              <a:cxnLst>
+                <a:cxn ang="0">
+                  <a:pos x="connsiteX0" y="connsiteY0"/>
+                </a:cxn>
+                <a:cxn ang="0">
+                  <a:pos x="connsiteX1" y="connsiteY1"/>
+                </a:cxn>
+                <a:cxn ang="0">
+                  <a:pos x="connsiteX2" y="connsiteY2"/>
+                </a:cxn>
+                <a:cxn ang="0">
+                  <a:pos x="connsiteX3" y="connsiteY3"/>
+                </a:cxn>
+                <a:cxn ang="0">
+                  <a:pos x="connsiteX4" y="connsiteY4"/>
+                </a:cxn>
+                <a:cxn ang="0">
+                  <a:pos x="connsiteX5" y="connsiteY5"/>
+                </a:cxn>
+                <a:cxn ang="0">
+                  <a:pos x="connsiteX6" y="connsiteY6"/>
+                </a:cxn>
+                <a:cxn ang="0">
+                  <a:pos x="connsiteX7" y="connsiteY7"/>
+                </a:cxn>
+              </a:cxnLst>
+              <a:rect l="l" t="t" r="r" b="b"/>
+              <a:pathLst>
+                <a:path w="535422" h="562344">
+                  <a:moveTo>
+                    <a:pt x="0" y="0"/>
+                  </a:moveTo>
+                  <a:lnTo>
+                    <a:pt x="25421" y="0"/>
+                  </a:lnTo>
+                  <a:lnTo>
+                    <a:pt x="36370" y="108609"/>
+                  </a:lnTo>
+                  <a:cubicBezTo>
+                    <a:pt x="80425" y="323904"/>
+                    <a:pt x="252614" y="492525"/>
+                    <a:pt x="469781" y="531316"/>
+                  </a:cubicBezTo>
+                  <a:lnTo>
+                    <a:pt x="535422" y="537108"/>
+                  </a:lnTo>
+                  <a:lnTo>
+                    <a:pt x="535422" y="562344"/>
+                  </a:lnTo>
+                  <a:lnTo>
+                    <a:pt x="451424" y="553876"/>
+                  </a:lnTo>
+                  <a:cubicBezTo>
+                    <a:pt x="193797" y="501158"/>
+                    <a:pt x="0" y="273211"/>
+                    <a:pt x="0" y="0"/>
+                  </a:cubicBezTo>
+                  <a:close/>
+                </a:path>
+              </a:pathLst>
+            </a:custGeom>
+            <a:solidFill>
+              <a:schemeClr val="tx1"/>
+            </a:solidFill>
+            <a:ln>
+              <a:noFill/>
+            </a:ln>
+          </p:spPr>
+          <p:style>
+            <a:lnRef idx="2">
+              <a:schemeClr val="accent1">
+                <a:shade val="50000"/>
+              </a:schemeClr>
+            </a:lnRef>
+            <a:fillRef idx="1">
+              <a:schemeClr val="accent1"/>
+            </a:fillRef>
+            <a:effectRef idx="0">
+              <a:schemeClr val="accent1"/>
+            </a:effectRef>
+            <a:fontRef idx="minor">
+              <a:schemeClr val="lt1"/>
+            </a:fontRef>
+          </p:style>
+          <p:txBody>
+            <a:bodyPr wrap="square" rtlCol="0" anchor="ctr">
+              <a:noAutofit/>
+            </a:bodyPr>
+            <a:lstStyle/>
+            <a:p>
+              <a:pPr algn="ctr"/>
+              <a:endParaRPr lang="en-US"/>
+            </a:p>
+          </p:txBody>
+        </p:sp>
+        <p:sp>
+          <p:nvSpPr>
+            <p:cNvPr id="81" name="Freeform 43">
+              <a:extLst>
+                <a:ext uri="{FF2B5EF4-FFF2-40B4-BE49-F238E27FC236}">
+                  <a16:creationId xmlns:a16="http://schemas.microsoft.com/office/drawing/2014/main" id="{16E261C3-18BE-934F-8A2B-59BE70AE2F4A}"/>
+                </a:ext>
+                <a:ext uri="{C183D7F6-B498-43B3-948B-1728B52AA6E4}">
+                  <adec:decorative xmlns:adec="http://schemas.microsoft.com/office/drawing/2017/decorative" val="1"/>
+                </a:ext>
+              </a:extLst>
+            </p:cNvPr>
+            <p:cNvSpPr/>
+            <p:nvPr>
+              <p:extLst>
+                <p:ext uri="{386F3935-93C4-4BCD-93E2-E3B085C9AB24}">
+                  <p16:designElem xmlns:p16="http://schemas.microsoft.com/office/powerpoint/2015/main" val="1"/>
+                </p:ext>
+              </p:extLst>
+            </p:nvPr>
+          </p:nvSpPr>
+          <p:spPr>
+            <a:xfrm>
+              <a:off x="11656578" y="2181112"/>
+              <a:ext cx="535422" cy="1124687"/>
+            </a:xfrm>
+            <a:custGeom>
+              <a:avLst/>
+              <a:gdLst>
+                <a:gd name="connsiteX0" fmla="*/ 535422 w 535422"/>
+                <a:gd name="connsiteY0" fmla="*/ 0 h 1124687"/>
+                <a:gd name="connsiteX1" fmla="*/ 535422 w 535422"/>
+                <a:gd name="connsiteY1" fmla="*/ 25186 h 1124687"/>
+                <a:gd name="connsiteX2" fmla="*/ 456541 w 535422"/>
+                <a:gd name="connsiteY2" fmla="*/ 33138 h 1124687"/>
+                <a:gd name="connsiteX3" fmla="*/ 25399 w 535422"/>
+                <a:gd name="connsiteY3" fmla="*/ 562130 h 1124687"/>
+                <a:gd name="connsiteX4" fmla="*/ 456541 w 535422"/>
+                <a:gd name="connsiteY4" fmla="*/ 1091123 h 1124687"/>
+                <a:gd name="connsiteX5" fmla="*/ 535422 w 535422"/>
+                <a:gd name="connsiteY5" fmla="*/ 1099075 h 1124687"/>
+                <a:gd name="connsiteX6" fmla="*/ 535422 w 535422"/>
+                <a:gd name="connsiteY6" fmla="*/ 1124687 h 1124687"/>
+                <a:gd name="connsiteX7" fmla="*/ 451423 w 535422"/>
+                <a:gd name="connsiteY7" fmla="*/ 1116219 h 1124687"/>
+                <a:gd name="connsiteX8" fmla="*/ 0 w 535422"/>
+                <a:gd name="connsiteY8" fmla="*/ 562343 h 1124687"/>
+                <a:gd name="connsiteX9" fmla="*/ 451423 w 535422"/>
+                <a:gd name="connsiteY9" fmla="*/ 8468 h 1124687"/>
+              </a:gdLst>
+              <a:ahLst/>
+              <a:cxnLst>
+                <a:cxn ang="0">
+                  <a:pos x="connsiteX0" y="connsiteY0"/>
+                </a:cxn>
+                <a:cxn ang="0">
+                  <a:pos x="connsiteX1" y="connsiteY1"/>
+                </a:cxn>
+                <a:cxn ang="0">
+                  <a:pos x="connsiteX2" y="connsiteY2"/>
+                </a:cxn>
+                <a:cxn ang="0">
+                  <a:pos x="connsiteX3" y="connsiteY3"/>
+                </a:cxn>
+                <a:cxn ang="0">
+                  <a:pos x="connsiteX4" y="connsiteY4"/>
+                </a:cxn>
+                <a:cxn ang="0">
+                  <a:pos x="connsiteX5" y="connsiteY5"/>
+                </a:cxn>
+                <a:cxn ang="0">
+                  <a:pos x="connsiteX6" y="connsiteY6"/>
+                </a:cxn>
+                <a:cxn ang="0">
+                  <a:pos x="connsiteX7" y="connsiteY7"/>
+                </a:cxn>
+                <a:cxn ang="0">
+                  <a:pos x="connsiteX8" y="connsiteY8"/>
+                </a:cxn>
+                <a:cxn ang="0">
+                  <a:pos x="connsiteX9" y="connsiteY9"/>
+                </a:cxn>
+              </a:cxnLst>
+              <a:rect l="l" t="t" r="r" b="b"/>
+              <a:pathLst>
+                <a:path w="535422" h="1124687">
+                  <a:moveTo>
+                    <a:pt x="535422" y="0"/>
+                  </a:moveTo>
+                  <a:lnTo>
+                    <a:pt x="535422" y="25186"/>
+                  </a:lnTo>
+                  <a:lnTo>
+                    <a:pt x="456541" y="33138"/>
+                  </a:lnTo>
+                  <a:cubicBezTo>
+                    <a:pt x="210489" y="83487"/>
+                    <a:pt x="25399" y="301194"/>
+                    <a:pt x="25399" y="562130"/>
+                  </a:cubicBezTo>
+                  <a:cubicBezTo>
+                    <a:pt x="25399" y="823067"/>
+                    <a:pt x="210489" y="1040774"/>
+                    <a:pt x="456541" y="1091123"/>
+                  </a:cubicBezTo>
+                  <a:lnTo>
+                    <a:pt x="535422" y="1099075"/>
+                  </a:lnTo>
+                  <a:lnTo>
+                    <a:pt x="535422" y="1124687"/>
+                  </a:lnTo>
+                  <a:lnTo>
+                    <a:pt x="451423" y="1116219"/>
+                  </a:lnTo>
+                  <a:cubicBezTo>
+                    <a:pt x="193797" y="1063501"/>
+                    <a:pt x="0" y="835554"/>
+                    <a:pt x="0" y="562343"/>
+                  </a:cubicBezTo>
+                  <a:cubicBezTo>
+                    <a:pt x="0" y="289132"/>
+                    <a:pt x="193797" y="61185"/>
+                    <a:pt x="451423" y="8468"/>
+                  </a:cubicBezTo>
+                  <a:close/>
+                </a:path>
+              </a:pathLst>
+            </a:custGeom>
+            <a:solidFill>
+              <a:schemeClr val="tx1"/>
+            </a:solidFill>
+            <a:ln>
+              <a:noFill/>
+            </a:ln>
+          </p:spPr>
+          <p:style>
+            <a:lnRef idx="2">
+              <a:schemeClr val="accent1">
+                <a:shade val="50000"/>
+              </a:schemeClr>
+            </a:lnRef>
+            <a:fillRef idx="1">
+              <a:schemeClr val="accent1"/>
+            </a:fillRef>
+            <a:effectRef idx="0">
+              <a:schemeClr val="accent1"/>
+            </a:effectRef>
+            <a:fontRef idx="minor">
+              <a:schemeClr val="lt1"/>
+            </a:fontRef>
+          </p:style>
+          <p:txBody>
+            <a:bodyPr wrap="square" rtlCol="0" anchor="ctr">
+              <a:noAutofit/>
+            </a:bodyPr>
+            <a:lstStyle/>
+            <a:p>
+              <a:pPr algn="ctr"/>
+              <a:endParaRPr lang="en-US"/>
+            </a:p>
+          </p:txBody>
+        </p:sp>
+        <p:sp>
+          <p:nvSpPr>
+            <p:cNvPr id="82" name="Freeform 44">
+              <a:extLst>
+                <a:ext uri="{FF2B5EF4-FFF2-40B4-BE49-F238E27FC236}">
+                  <a16:creationId xmlns:a16="http://schemas.microsoft.com/office/drawing/2014/main" id="{35A2267B-0862-A24E-87D2-6CE5187CF95E}"/>
+                </a:ext>
+                <a:ext uri="{C183D7F6-B498-43B3-948B-1728B52AA6E4}">
+                  <adec:decorative xmlns:adec="http://schemas.microsoft.com/office/drawing/2017/decorative" val="1"/>
+                </a:ext>
+              </a:extLst>
+            </p:cNvPr>
+            <p:cNvSpPr/>
+            <p:nvPr>
+              <p:extLst>
+                <p:ext uri="{386F3935-93C4-4BCD-93E2-E3B085C9AB24}">
+                  <p16:designElem xmlns:p16="http://schemas.microsoft.com/office/powerpoint/2015/main" val="1"/>
+                </p:ext>
+              </p:extLst>
+            </p:nvPr>
+          </p:nvSpPr>
+          <p:spPr>
+            <a:xfrm>
+              <a:off x="10291746" y="806365"/>
+              <a:ext cx="1130726" cy="1130724"/>
+            </a:xfrm>
+            <a:custGeom>
+              <a:avLst/>
+              <a:gdLst>
+                <a:gd name="connsiteX0" fmla="*/ 565363 w 1130726"/>
+                <a:gd name="connsiteY0" fmla="*/ 25186 h 1130724"/>
+                <a:gd name="connsiteX1" fmla="*/ 25399 w 1130726"/>
+                <a:gd name="connsiteY1" fmla="*/ 565149 h 1130724"/>
+                <a:gd name="connsiteX2" fmla="*/ 565363 w 1130726"/>
+                <a:gd name="connsiteY2" fmla="*/ 1105112 h 1130724"/>
+                <a:gd name="connsiteX3" fmla="*/ 1105327 w 1130726"/>
+                <a:gd name="connsiteY3" fmla="*/ 565149 h 1130724"/>
+                <a:gd name="connsiteX4" fmla="*/ 565363 w 1130726"/>
+                <a:gd name="connsiteY4" fmla="*/ 25186 h 1130724"/>
+                <a:gd name="connsiteX5" fmla="*/ 565363 w 1130726"/>
+                <a:gd name="connsiteY5" fmla="*/ 0 h 1130724"/>
+                <a:gd name="connsiteX6" fmla="*/ 1130726 w 1130726"/>
+                <a:gd name="connsiteY6" fmla="*/ 565362 h 1130724"/>
+                <a:gd name="connsiteX7" fmla="*/ 565363 w 1130726"/>
+                <a:gd name="connsiteY7" fmla="*/ 1130724 h 1130724"/>
+                <a:gd name="connsiteX8" fmla="*/ 0 w 1130726"/>
+                <a:gd name="connsiteY8" fmla="*/ 565362 h 1130724"/>
+                <a:gd name="connsiteX9" fmla="*/ 565363 w 1130726"/>
+                <a:gd name="connsiteY9" fmla="*/ 0 h 1130724"/>
+              </a:gdLst>
+              <a:ahLst/>
+              <a:cxnLst>
+                <a:cxn ang="0">
+                  <a:pos x="connsiteX0" y="connsiteY0"/>
+                </a:cxn>
+                <a:cxn ang="0">
+                  <a:pos x="connsiteX1" y="connsiteY1"/>
+                </a:cxn>
+                <a:cxn ang="0">
+                  <a:pos x="connsiteX2" y="connsiteY2"/>
+                </a:cxn>
+                <a:cxn ang="0">
+                  <a:pos x="connsiteX3" y="connsiteY3"/>
+                </a:cxn>
+                <a:cxn ang="0">
+                  <a:pos x="connsiteX4" y="connsiteY4"/>
+                </a:cxn>
+                <a:cxn ang="0">
+                  <a:pos x="connsiteX5" y="connsiteY5"/>
+                </a:cxn>
+                <a:cxn ang="0">
+                  <a:pos x="connsiteX6" y="connsiteY6"/>
+                </a:cxn>
+                <a:cxn ang="0">
+                  <a:pos x="connsiteX7" y="connsiteY7"/>
+                </a:cxn>
+                <a:cxn ang="0">
+                  <a:pos x="connsiteX8" y="connsiteY8"/>
+                </a:cxn>
+                <a:cxn ang="0">
+                  <a:pos x="connsiteX9" y="connsiteY9"/>
+                </a:cxn>
+              </a:cxnLst>
+              <a:rect l="l" t="t" r="r" b="b"/>
+              <a:pathLst>
+                <a:path w="1130726" h="1130724">
+                  <a:moveTo>
+                    <a:pt x="565363" y="25186"/>
+                  </a:moveTo>
+                  <a:cubicBezTo>
+                    <a:pt x="267149" y="25186"/>
+                    <a:pt x="25399" y="266936"/>
+                    <a:pt x="25399" y="565149"/>
+                  </a:cubicBezTo>
+                  <a:cubicBezTo>
+                    <a:pt x="25399" y="863362"/>
+                    <a:pt x="267149" y="1105112"/>
+                    <a:pt x="565363" y="1105112"/>
+                  </a:cubicBezTo>
+                  <a:cubicBezTo>
+                    <a:pt x="863577" y="1105112"/>
+                    <a:pt x="1105327" y="863362"/>
+                    <a:pt x="1105327" y="565149"/>
+                  </a:cubicBezTo>
+                  <a:cubicBezTo>
+                    <a:pt x="1105327" y="266936"/>
+                    <a:pt x="863577" y="25186"/>
+                    <a:pt x="565363" y="25186"/>
+                  </a:cubicBezTo>
+                  <a:close/>
+                  <a:moveTo>
+                    <a:pt x="565363" y="0"/>
+                  </a:moveTo>
+                  <a:cubicBezTo>
+                    <a:pt x="877604" y="0"/>
+                    <a:pt x="1130726" y="253121"/>
+                    <a:pt x="1130726" y="565362"/>
+                  </a:cubicBezTo>
+                  <a:cubicBezTo>
+                    <a:pt x="1130726" y="877603"/>
+                    <a:pt x="877604" y="1130724"/>
+                    <a:pt x="565363" y="1130724"/>
+                  </a:cubicBezTo>
+                  <a:cubicBezTo>
+                    <a:pt x="253122" y="1130724"/>
+                    <a:pt x="0" y="877603"/>
+                    <a:pt x="0" y="565362"/>
+                  </a:cubicBezTo>
+                  <a:cubicBezTo>
+                    <a:pt x="0" y="253121"/>
+                    <a:pt x="253122" y="0"/>
+                    <a:pt x="565363" y="0"/>
+                  </a:cubicBezTo>
+                  <a:close/>
+                </a:path>
+              </a:pathLst>
+            </a:custGeom>
+            <a:solidFill>
+              <a:schemeClr val="tx1"/>
+            </a:solidFill>
+            <a:ln>
+              <a:noFill/>
+            </a:ln>
+          </p:spPr>
+          <p:style>
+            <a:lnRef idx="2">
+              <a:schemeClr val="accent1">
+                <a:shade val="50000"/>
+              </a:schemeClr>
+            </a:lnRef>
+            <a:fillRef idx="1">
+              <a:schemeClr val="accent1"/>
+            </a:fillRef>
+            <a:effectRef idx="0">
+              <a:schemeClr val="accent1"/>
+            </a:effectRef>
+            <a:fontRef idx="minor">
+              <a:schemeClr val="lt1"/>
+            </a:fontRef>
+          </p:style>
+          <p:txBody>
+            <a:bodyPr wrap="square" rtlCol="0" anchor="ctr">
+              <a:noAutofit/>
+            </a:bodyPr>
+            <a:lstStyle/>
+            <a:p>
+              <a:pPr algn="ctr"/>
+              <a:endParaRPr lang="en-US"/>
+            </a:p>
+          </p:txBody>
+        </p:sp>
+        <p:sp>
+          <p:nvSpPr>
+            <p:cNvPr id="83" name="Freeform 45">
+              <a:extLst>
+                <a:ext uri="{FF2B5EF4-FFF2-40B4-BE49-F238E27FC236}">
+                  <a16:creationId xmlns:a16="http://schemas.microsoft.com/office/drawing/2014/main" id="{A404A0DE-A076-8C4E-B8D4-EBC9453377C3}"/>
+                </a:ext>
+                <a:ext uri="{C183D7F6-B498-43B3-948B-1728B52AA6E4}">
+                  <adec:decorative xmlns:adec="http://schemas.microsoft.com/office/drawing/2017/decorative" val="1"/>
+                </a:ext>
+              </a:extLst>
+            </p:cNvPr>
+            <p:cNvSpPr/>
+            <p:nvPr>
+              <p:extLst>
+                <p:ext uri="{386F3935-93C4-4BCD-93E2-E3B085C9AB24}">
+                  <p16:designElem xmlns:p16="http://schemas.microsoft.com/office/powerpoint/2015/main" val="1"/>
+                </p:ext>
+              </p:extLst>
+            </p:nvPr>
+          </p:nvSpPr>
+          <p:spPr>
+            <a:xfrm>
+              <a:off x="11656578" y="3552837"/>
+              <a:ext cx="535422" cy="1124688"/>
+            </a:xfrm>
+            <a:custGeom>
+              <a:avLst/>
+              <a:gdLst>
+                <a:gd name="connsiteX0" fmla="*/ 535422 w 535422"/>
+                <a:gd name="connsiteY0" fmla="*/ 0 h 1124688"/>
+                <a:gd name="connsiteX1" fmla="*/ 535422 w 535422"/>
+                <a:gd name="connsiteY1" fmla="*/ 25186 h 1124688"/>
+                <a:gd name="connsiteX2" fmla="*/ 456541 w 535422"/>
+                <a:gd name="connsiteY2" fmla="*/ 33138 h 1124688"/>
+                <a:gd name="connsiteX3" fmla="*/ 25399 w 535422"/>
+                <a:gd name="connsiteY3" fmla="*/ 562131 h 1124688"/>
+                <a:gd name="connsiteX4" fmla="*/ 456541 w 535422"/>
+                <a:gd name="connsiteY4" fmla="*/ 1091124 h 1124688"/>
+                <a:gd name="connsiteX5" fmla="*/ 535422 w 535422"/>
+                <a:gd name="connsiteY5" fmla="*/ 1099076 h 1124688"/>
+                <a:gd name="connsiteX6" fmla="*/ 535422 w 535422"/>
+                <a:gd name="connsiteY6" fmla="*/ 1124688 h 1124688"/>
+                <a:gd name="connsiteX7" fmla="*/ 451423 w 535422"/>
+                <a:gd name="connsiteY7" fmla="*/ 1116220 h 1124688"/>
+                <a:gd name="connsiteX8" fmla="*/ 0 w 535422"/>
+                <a:gd name="connsiteY8" fmla="*/ 562344 h 1124688"/>
+                <a:gd name="connsiteX9" fmla="*/ 451423 w 535422"/>
+                <a:gd name="connsiteY9" fmla="*/ 8468 h 1124688"/>
+              </a:gdLst>
+              <a:ahLst/>
+              <a:cxnLst>
+                <a:cxn ang="0">
+                  <a:pos x="connsiteX0" y="connsiteY0"/>
+                </a:cxn>
+                <a:cxn ang="0">
+                  <a:pos x="connsiteX1" y="connsiteY1"/>
+                </a:cxn>
+                <a:cxn ang="0">
+                  <a:pos x="connsiteX2" y="connsiteY2"/>
+                </a:cxn>
+                <a:cxn ang="0">
+                  <a:pos x="connsiteX3" y="connsiteY3"/>
+                </a:cxn>
+                <a:cxn ang="0">
+                  <a:pos x="connsiteX4" y="connsiteY4"/>
+                </a:cxn>
+                <a:cxn ang="0">
+                  <a:pos x="connsiteX5" y="connsiteY5"/>
+                </a:cxn>
+                <a:cxn ang="0">
+                  <a:pos x="connsiteX6" y="connsiteY6"/>
+                </a:cxn>
+                <a:cxn ang="0">
+                  <a:pos x="connsiteX7" y="connsiteY7"/>
+                </a:cxn>
+                <a:cxn ang="0">
+                  <a:pos x="connsiteX8" y="connsiteY8"/>
+                </a:cxn>
+                <a:cxn ang="0">
+                  <a:pos x="connsiteX9" y="connsiteY9"/>
+                </a:cxn>
+              </a:cxnLst>
+              <a:rect l="l" t="t" r="r" b="b"/>
+              <a:pathLst>
+                <a:path w="535422" h="1124688">
+                  <a:moveTo>
+                    <a:pt x="535422" y="0"/>
+                  </a:moveTo>
+                  <a:lnTo>
+                    <a:pt x="535422" y="25186"/>
+                  </a:lnTo>
+                  <a:lnTo>
+                    <a:pt x="456541" y="33138"/>
+                  </a:lnTo>
+                  <a:cubicBezTo>
+                    <a:pt x="210489" y="83488"/>
+                    <a:pt x="25399" y="301195"/>
+                    <a:pt x="25399" y="562131"/>
+                  </a:cubicBezTo>
+                  <a:cubicBezTo>
+                    <a:pt x="25399" y="823068"/>
+                    <a:pt x="210489" y="1040775"/>
+                    <a:pt x="456541" y="1091124"/>
+                  </a:cubicBezTo>
+                  <a:lnTo>
+                    <a:pt x="535422" y="1099076"/>
+                  </a:lnTo>
+                  <a:lnTo>
+                    <a:pt x="535422" y="1124688"/>
+                  </a:lnTo>
+                  <a:lnTo>
+                    <a:pt x="451423" y="1116220"/>
+                  </a:lnTo>
+                  <a:cubicBezTo>
+                    <a:pt x="193797" y="1063502"/>
+                    <a:pt x="0" y="835555"/>
+                    <a:pt x="0" y="562344"/>
+                  </a:cubicBezTo>
+                  <a:cubicBezTo>
+                    <a:pt x="0" y="289133"/>
+                    <a:pt x="193797" y="61186"/>
+                    <a:pt x="451423" y="8468"/>
+                  </a:cubicBezTo>
+                  <a:close/>
+                </a:path>
+              </a:pathLst>
+            </a:custGeom>
+            <a:solidFill>
+              <a:schemeClr val="tx1"/>
+            </a:solidFill>
+            <a:ln>
+              <a:noFill/>
+            </a:ln>
+          </p:spPr>
+          <p:style>
+            <a:lnRef idx="2">
+              <a:schemeClr val="accent1">
+                <a:shade val="50000"/>
+              </a:schemeClr>
+            </a:lnRef>
+            <a:fillRef idx="1">
+              <a:schemeClr val="accent1"/>
+            </a:fillRef>
+            <a:effectRef idx="0">
+              <a:schemeClr val="accent1"/>
+            </a:effectRef>
+            <a:fontRef idx="minor">
+              <a:schemeClr val="lt1"/>
+            </a:fontRef>
+          </p:style>
+          <p:txBody>
+            <a:bodyPr wrap="square" rtlCol="0" anchor="ctr">
+              <a:noAutofit/>
+            </a:bodyPr>
+            <a:lstStyle/>
+            <a:p>
+              <a:pPr algn="ctr"/>
+              <a:endParaRPr lang="en-US"/>
+            </a:p>
+          </p:txBody>
+        </p:sp>
+        <p:sp>
+          <p:nvSpPr>
+            <p:cNvPr id="84" name="Freeform 53">
+              <a:extLst>
+                <a:ext uri="{FF2B5EF4-FFF2-40B4-BE49-F238E27FC236}">
+                  <a16:creationId xmlns:a16="http://schemas.microsoft.com/office/drawing/2014/main" id="{9EED6D73-C275-3347-BB66-C83964257218}"/>
+                </a:ext>
+                <a:ext uri="{C183D7F6-B498-43B3-948B-1728B52AA6E4}">
+                  <adec:decorative xmlns:adec="http://schemas.microsoft.com/office/drawing/2017/decorative" val="1"/>
+                </a:ext>
+              </a:extLst>
+            </p:cNvPr>
+            <p:cNvSpPr/>
+            <p:nvPr>
+              <p:extLst>
+                <p:ext uri="{386F3935-93C4-4BCD-93E2-E3B085C9AB24}">
+                  <p16:designElem xmlns:p16="http://schemas.microsoft.com/office/powerpoint/2015/main" val="1"/>
+                </p:ext>
+              </p:extLst>
+            </p:nvPr>
+          </p:nvSpPr>
+          <p:spPr>
+            <a:xfrm>
+              <a:off x="11656642" y="6295916"/>
+              <a:ext cx="535358" cy="562084"/>
+            </a:xfrm>
+            <a:custGeom>
+              <a:avLst/>
+              <a:gdLst>
+                <a:gd name="connsiteX0" fmla="*/ 535358 w 535358"/>
+                <a:gd name="connsiteY0" fmla="*/ 0 h 562084"/>
+                <a:gd name="connsiteX1" fmla="*/ 535358 w 535358"/>
+                <a:gd name="connsiteY1" fmla="*/ 25186 h 562084"/>
+                <a:gd name="connsiteX2" fmla="*/ 469717 w 535358"/>
+                <a:gd name="connsiteY2" fmla="*/ 30978 h 562084"/>
+                <a:gd name="connsiteX3" fmla="*/ 36306 w 535358"/>
+                <a:gd name="connsiteY3" fmla="*/ 453686 h 562084"/>
+                <a:gd name="connsiteX4" fmla="*/ 25378 w 535358"/>
+                <a:gd name="connsiteY4" fmla="*/ 562084 h 562084"/>
+                <a:gd name="connsiteX5" fmla="*/ 0 w 535358"/>
+                <a:gd name="connsiteY5" fmla="*/ 562084 h 562084"/>
+                <a:gd name="connsiteX6" fmla="*/ 11423 w 535358"/>
+                <a:gd name="connsiteY6" fmla="*/ 448780 h 562084"/>
+                <a:gd name="connsiteX7" fmla="*/ 465221 w 535358"/>
+                <a:gd name="connsiteY7" fmla="*/ 6189 h 562084"/>
+              </a:gdLst>
+              <a:ahLst/>
+              <a:cxnLst>
+                <a:cxn ang="0">
+                  <a:pos x="connsiteX0" y="connsiteY0"/>
+                </a:cxn>
+                <a:cxn ang="0">
+                  <a:pos x="connsiteX1" y="connsiteY1"/>
+                </a:cxn>
+                <a:cxn ang="0">
+                  <a:pos x="connsiteX2" y="connsiteY2"/>
+                </a:cxn>
+                <a:cxn ang="0">
+                  <a:pos x="connsiteX3" y="connsiteY3"/>
+                </a:cxn>
+                <a:cxn ang="0">
+                  <a:pos x="connsiteX4" y="connsiteY4"/>
+                </a:cxn>
+                <a:cxn ang="0">
+                  <a:pos x="connsiteX5" y="connsiteY5"/>
+                </a:cxn>
+                <a:cxn ang="0">
+                  <a:pos x="connsiteX6" y="connsiteY6"/>
+                </a:cxn>
+                <a:cxn ang="0">
+                  <a:pos x="connsiteX7" y="connsiteY7"/>
+                </a:cxn>
+              </a:cxnLst>
+              <a:rect l="l" t="t" r="r" b="b"/>
+              <a:pathLst>
+                <a:path w="535358" h="562084">
+                  <a:moveTo>
+                    <a:pt x="535358" y="0"/>
+                  </a:moveTo>
+                  <a:lnTo>
+                    <a:pt x="535358" y="25186"/>
+                  </a:lnTo>
+                  <a:lnTo>
+                    <a:pt x="469717" y="30978"/>
+                  </a:lnTo>
+                  <a:cubicBezTo>
+                    <a:pt x="252550" y="69769"/>
+                    <a:pt x="80361" y="238391"/>
+                    <a:pt x="36306" y="453686"/>
+                  </a:cubicBezTo>
+                  <a:lnTo>
+                    <a:pt x="25378" y="562084"/>
+                  </a:lnTo>
+                  <a:lnTo>
+                    <a:pt x="0" y="562084"/>
+                  </a:lnTo>
+                  <a:lnTo>
+                    <a:pt x="11423" y="448780"/>
+                  </a:lnTo>
+                  <a:cubicBezTo>
+                    <a:pt x="57551" y="223357"/>
+                    <a:pt x="237840" y="46805"/>
+                    <a:pt x="465221" y="6189"/>
+                  </a:cubicBezTo>
+                  <a:close/>
+                </a:path>
+              </a:pathLst>
+            </a:custGeom>
+            <a:solidFill>
+              <a:schemeClr val="tx1"/>
+            </a:solidFill>
+            <a:ln>
+              <a:noFill/>
+            </a:ln>
+          </p:spPr>
+          <p:style>
+            <a:lnRef idx="2">
+              <a:schemeClr val="accent1">
+                <a:shade val="50000"/>
+              </a:schemeClr>
+            </a:lnRef>
+            <a:fillRef idx="1">
+              <a:schemeClr val="accent1"/>
+            </a:fillRef>
+            <a:effectRef idx="0">
+              <a:schemeClr val="accent1"/>
+            </a:effectRef>
+            <a:fontRef idx="minor">
+              <a:schemeClr val="lt1"/>
+            </a:fontRef>
+          </p:style>
+          <p:txBody>
+            <a:bodyPr wrap="square" rtlCol="0" anchor="ctr">
+              <a:noAutofit/>
+            </a:bodyPr>
+            <a:lstStyle/>
+            <a:p>
+              <a:pPr algn="ctr"/>
+              <a:endParaRPr lang="en-US"/>
+            </a:p>
+          </p:txBody>
+        </p:sp>
+      </p:grpSp>
     </p:spTree>
     <p:extLst>
       <p:ext uri="{BB962C8B-B14F-4D97-AF65-F5344CB8AC3E}">
@@ -18890,7 +19314,7 @@
     </p:extLst>
   </p:cSld>
   <p:clrMapOvr>
-    <a:masterClrMapping/>
+    <a:overrideClrMapping bg1="dk1" tx1="lt1" bg2="dk2" tx2="lt2" accent1="accent1" accent2="accent2" accent3="accent3" accent4="accent4" accent5="accent5" accent6="accent6" hlink="hlink" folHlink="folHlink"/>
   </p:clrMapOvr>
   <p:timing>
     <p:tnLst>
@@ -27435,21 +27859,6 @@
 </file>
 
 <file path=customXml/item1.xml><?xml version="1.0" encoding="utf-8"?>
-<p:properties xmlns:p="http://schemas.microsoft.com/office/2006/metadata/properties" xmlns:xsi="http://www.w3.org/2001/XMLSchema-instance" xmlns:pc="http://schemas.microsoft.com/office/infopath/2007/PartnerControls">
-  <documentManagement/>
-</p:properties>
-</file>
-
-<file path=customXml/item2.xml><?xml version="1.0" encoding="utf-8"?>
-<?mso-contentType ?>
-<FormTemplates xmlns="http://schemas.microsoft.com/sharepoint/v3/contenttype/forms">
-  <Display>DocumentLibraryForm</Display>
-  <Edit>DocumentLibraryForm</Edit>
-  <New>DocumentLibraryForm</New>
-</FormTemplates>
-</file>
-
-<file path=customXml/item3.xml><?xml version="1.0" encoding="utf-8"?>
 <ct:contentTypeSchema xmlns:ct="http://schemas.microsoft.com/office/2006/metadata/contentType" xmlns:ma="http://schemas.microsoft.com/office/2006/metadata/properties/metaAttributes" ct:_="" ma:_="" ma:contentTypeName="Document" ma:contentTypeID="0x010100060E2A8080E9494E8B5D25D093117DA0" ma:contentTypeVersion="13" ma:contentTypeDescription="Create a new document." ma:contentTypeScope="" ma:versionID="0c76e022e13615dc0bf2726c035b7fef">
   <xsd:schema xmlns:xsd="http://www.w3.org/2001/XMLSchema" xmlns:xs="http://www.w3.org/2001/XMLSchema" xmlns:p="http://schemas.microsoft.com/office/2006/metadata/properties" xmlns:ns3="b650d1a7-6db3-4af7-9121-7544165cfdf4" xmlns:ns4="e94fad15-fe18-41cb-b28f-dd9782ec8d07" targetNamespace="http://schemas.microsoft.com/office/2006/metadata/properties" ma:root="true" ma:fieldsID="c50701fc0629b51c662ee5dbed2bbc03" ns3:_="" ns4:_="">
     <xsd:import namespace="b650d1a7-6db3-4af7-9121-7544165cfdf4"/>
@@ -27672,32 +28081,22 @@
 </ct:contentTypeSchema>
 </file>
 
-<file path=customXml/itemProps1.xml><?xml version="1.0" encoding="utf-8"?>
-<ds:datastoreItem xmlns:ds="http://schemas.openxmlformats.org/officeDocument/2006/customXml" ds:itemID="{43E39CCF-6475-4407-ADF7-7EC75590DD52}">
-  <ds:schemaRefs>
-    <ds:schemaRef ds:uri="http://purl.org/dc/terms/"/>
-    <ds:schemaRef ds:uri="http://purl.org/dc/dcmitype/"/>
-    <ds:schemaRef ds:uri="http://schemas.microsoft.com/office/2006/documentManagement/types"/>
-    <ds:schemaRef ds:uri="http://purl.org/dc/elements/1.1/"/>
-    <ds:schemaRef ds:uri="e94fad15-fe18-41cb-b28f-dd9782ec8d07"/>
-    <ds:schemaRef ds:uri="http://schemas.openxmlformats.org/package/2006/metadata/core-properties"/>
-    <ds:schemaRef ds:uri="http://schemas.microsoft.com/office/2006/metadata/properties"/>
-    <ds:schemaRef ds:uri="http://schemas.microsoft.com/office/infopath/2007/PartnerControls"/>
-    <ds:schemaRef ds:uri="b650d1a7-6db3-4af7-9121-7544165cfdf4"/>
-    <ds:schemaRef ds:uri="http://www.w3.org/XML/1998/namespace"/>
-  </ds:schemaRefs>
-</ds:datastoreItem>
+<file path=customXml/item2.xml><?xml version="1.0" encoding="utf-8"?>
+<?mso-contentType ?>
+<FormTemplates xmlns="http://schemas.microsoft.com/sharepoint/v3/contenttype/forms">
+  <Display>DocumentLibraryForm</Display>
+  <Edit>DocumentLibraryForm</Edit>
+  <New>DocumentLibraryForm</New>
+</FormTemplates>
 </file>
 
-<file path=customXml/itemProps2.xml><?xml version="1.0" encoding="utf-8"?>
-<ds:datastoreItem xmlns:ds="http://schemas.openxmlformats.org/officeDocument/2006/customXml" ds:itemID="{B08393F1-8F7E-43C5-A5A2-29C099B49C1E}">
-  <ds:schemaRefs>
-    <ds:schemaRef ds:uri="http://schemas.microsoft.com/sharepoint/v3/contenttype/forms"/>
-  </ds:schemaRefs>
-</ds:datastoreItem>
+<file path=customXml/item3.xml><?xml version="1.0" encoding="utf-8"?>
+<p:properties xmlns:p="http://schemas.microsoft.com/office/2006/metadata/properties" xmlns:xsi="http://www.w3.org/2001/XMLSchema-instance" xmlns:pc="http://schemas.microsoft.com/office/infopath/2007/PartnerControls">
+  <documentManagement/>
+</p:properties>
 </file>
 
-<file path=customXml/itemProps3.xml><?xml version="1.0" encoding="utf-8"?>
+<file path=customXml/itemProps1.xml><?xml version="1.0" encoding="utf-8"?>
 <ds:datastoreItem xmlns:ds="http://schemas.openxmlformats.org/officeDocument/2006/customXml" ds:itemID="{C5C38152-A24C-404F-9F8F-F89493C06A81}">
   <ds:schemaRefs>
     <ds:schemaRef ds:uri="http://schemas.microsoft.com/office/2006/metadata/contentType"/>
@@ -27714,4 +28113,29 @@
     <ds:schemaRef ds:uri="http://schemas.microsoft.com/internal/obd"/>
   </ds:schemaRefs>
 </ds:datastoreItem>
+</file>
+
+<file path=customXml/itemProps2.xml><?xml version="1.0" encoding="utf-8"?>
+<ds:datastoreItem xmlns:ds="http://schemas.openxmlformats.org/officeDocument/2006/customXml" ds:itemID="{B08393F1-8F7E-43C5-A5A2-29C099B49C1E}">
+  <ds:schemaRefs>
+    <ds:schemaRef ds:uri="http://schemas.microsoft.com/sharepoint/v3/contenttype/forms"/>
+  </ds:schemaRefs>
+</ds:datastoreItem>
+</file>
+
+<file path=customXml/itemProps3.xml><?xml version="1.0" encoding="utf-8"?>
+<ds:datastoreItem xmlns:ds="http://schemas.openxmlformats.org/officeDocument/2006/customXml" ds:itemID="{43E39CCF-6475-4407-ADF7-7EC75590DD52}">
+  <ds:schemaRefs>
+    <ds:schemaRef ds:uri="http://purl.org/dc/terms/"/>
+    <ds:schemaRef ds:uri="http://purl.org/dc/dcmitype/"/>
+    <ds:schemaRef ds:uri="http://schemas.microsoft.com/office/2006/documentManagement/types"/>
+    <ds:schemaRef ds:uri="http://purl.org/dc/elements/1.1/"/>
+    <ds:schemaRef ds:uri="e94fad15-fe18-41cb-b28f-dd9782ec8d07"/>
+    <ds:schemaRef ds:uri="http://schemas.openxmlformats.org/package/2006/metadata/core-properties"/>
+    <ds:schemaRef ds:uri="http://schemas.microsoft.com/office/2006/metadata/properties"/>
+    <ds:schemaRef ds:uri="http://schemas.microsoft.com/office/infopath/2007/PartnerControls"/>
+    <ds:schemaRef ds:uri="b650d1a7-6db3-4af7-9121-7544165cfdf4"/>
+    <ds:schemaRef ds:uri="http://www.w3.org/XML/1998/namespace"/>
+  </ds:schemaRefs>
+</ds:datastoreItem>
 </file>